--- a/Program_Interactions.pptx
+++ b/Program_Interactions.pptx
@@ -6,6 +6,7 @@
   </p:sldMasterIdLst>
   <p:sldIdLst>
     <p:sldId id="256" r:id="rId2"/>
+    <p:sldId id="257" r:id="rId3"/>
   </p:sldIdLst>
   <p:sldSz cx="10058400" cy="7315200"/>
   <p:notesSz cx="6858000" cy="9144000"/>
@@ -104,7 +105,672 @@
       </a:defRPr>
     </a:lvl9pPr>
   </p:defaultTextStyle>
+  <p:extLst>
+    <p:ext uri="{EFAFB233-063F-42B5-8137-9DF3F51BA10A}">
+      <p15:sldGuideLst xmlns:p15="http://schemas.microsoft.com/office/powerpoint/2012/main"/>
+    </p:ext>
+  </p:extLst>
 </p:presentation>
+</file>
+
+<file path=ppt/revisionInfo.xml><?xml version="1.0" encoding="utf-8"?>
+<p1510:revInfo xmlns:a="http://schemas.openxmlformats.org/drawingml/2006/main" xmlns:r="http://schemas.openxmlformats.org/officeDocument/2006/relationships" xmlns:p1510="http://schemas.microsoft.com/office/powerpoint/2015/10/main">
+  <p1510:revLst>
+    <p1510:client id="{518A642C-F23E-4340-997C-EAB02103D75C}" v="22" dt="2022-05-02T03:37:26.569"/>
+  </p1510:revLst>
+</p1510:revInfo>
+</file>
+
+<file path=ppt/changesInfos/changesInfo1.xml><?xml version="1.0" encoding="utf-8"?>
+<pc:chgInfo xmlns:a="http://schemas.openxmlformats.org/drawingml/2006/main" xmlns:r="http://schemas.openxmlformats.org/officeDocument/2006/relationships" xmlns:ac="http://schemas.microsoft.com/office/drawing/2013/main/command" xmlns:pc="http://schemas.microsoft.com/office/powerpoint/2013/main/command">
+  <pc:docChgLst>
+    <pc:chgData name="Camille Gabriella Wathne" userId="9989f795-af2b-47cf-a099-5ee88ef5a7d7" providerId="ADAL" clId="{518A642C-F23E-4340-997C-EAB02103D75C}"/>
+    <pc:docChg chg="undo custSel addSld modSld">
+      <pc:chgData name="Camille Gabriella Wathne" userId="9989f795-af2b-47cf-a099-5ee88ef5a7d7" providerId="ADAL" clId="{518A642C-F23E-4340-997C-EAB02103D75C}" dt="2022-05-02T03:38:59.623" v="350" actId="164"/>
+      <pc:docMkLst>
+        <pc:docMk/>
+      </pc:docMkLst>
+      <pc:sldChg chg="addSp delSp modSp mod">
+        <pc:chgData name="Camille Gabriella Wathne" userId="9989f795-af2b-47cf-a099-5ee88ef5a7d7" providerId="ADAL" clId="{518A642C-F23E-4340-997C-EAB02103D75C}" dt="2022-05-02T03:38:04.521" v="347" actId="1038"/>
+        <pc:sldMkLst>
+          <pc:docMk/>
+          <pc:sldMk cId="2884043026" sldId="256"/>
+        </pc:sldMkLst>
+        <pc:spChg chg="mod topLvl">
+          <ac:chgData name="Camille Gabriella Wathne" userId="9989f795-af2b-47cf-a099-5ee88ef5a7d7" providerId="ADAL" clId="{518A642C-F23E-4340-997C-EAB02103D75C}" dt="2022-04-28T22:38:58.963" v="296" actId="1076"/>
+          <ac:spMkLst>
+            <pc:docMk/>
+            <pc:sldMk cId="2884043026" sldId="256"/>
+            <ac:spMk id="5" creationId="{B0F733EF-2DCD-824D-BD8F-C022B8F25C89}"/>
+          </ac:spMkLst>
+        </pc:spChg>
+        <pc:spChg chg="mod topLvl">
+          <ac:chgData name="Camille Gabriella Wathne" userId="9989f795-af2b-47cf-a099-5ee88ef5a7d7" providerId="ADAL" clId="{518A642C-F23E-4340-997C-EAB02103D75C}" dt="2022-04-28T22:38:58.963" v="296" actId="1076"/>
+          <ac:spMkLst>
+            <pc:docMk/>
+            <pc:sldMk cId="2884043026" sldId="256"/>
+            <ac:spMk id="6" creationId="{50EFC966-09E0-D240-BB0C-3AD2B91EB18D}"/>
+          </ac:spMkLst>
+        </pc:spChg>
+        <pc:spChg chg="mod topLvl">
+          <ac:chgData name="Camille Gabriella Wathne" userId="9989f795-af2b-47cf-a099-5ee88ef5a7d7" providerId="ADAL" clId="{518A642C-F23E-4340-997C-EAB02103D75C}" dt="2022-04-28T22:38:58.963" v="296" actId="1076"/>
+          <ac:spMkLst>
+            <pc:docMk/>
+            <pc:sldMk cId="2884043026" sldId="256"/>
+            <ac:spMk id="7" creationId="{8B0119DD-3041-A249-8277-E6289EF2BF6E}"/>
+          </ac:spMkLst>
+        </pc:spChg>
+        <pc:spChg chg="mod topLvl">
+          <ac:chgData name="Camille Gabriella Wathne" userId="9989f795-af2b-47cf-a099-5ee88ef5a7d7" providerId="ADAL" clId="{518A642C-F23E-4340-997C-EAB02103D75C}" dt="2022-04-28T22:38:58.963" v="296" actId="1076"/>
+          <ac:spMkLst>
+            <pc:docMk/>
+            <pc:sldMk cId="2884043026" sldId="256"/>
+            <ac:spMk id="8" creationId="{46AA1FE2-41DA-0C46-A7DF-82CB2C355390}"/>
+          </ac:spMkLst>
+        </pc:spChg>
+        <pc:spChg chg="mod topLvl">
+          <ac:chgData name="Camille Gabriella Wathne" userId="9989f795-af2b-47cf-a099-5ee88ef5a7d7" providerId="ADAL" clId="{518A642C-F23E-4340-997C-EAB02103D75C}" dt="2022-04-28T22:38:58.963" v="296" actId="1076"/>
+          <ac:spMkLst>
+            <pc:docMk/>
+            <pc:sldMk cId="2884043026" sldId="256"/>
+            <ac:spMk id="9" creationId="{7854059A-06BF-794B-81F7-D03527E0A66D}"/>
+          </ac:spMkLst>
+        </pc:spChg>
+        <pc:spChg chg="mod topLvl">
+          <ac:chgData name="Camille Gabriella Wathne" userId="9989f795-af2b-47cf-a099-5ee88ef5a7d7" providerId="ADAL" clId="{518A642C-F23E-4340-997C-EAB02103D75C}" dt="2022-05-02T03:38:04.521" v="347" actId="1038"/>
+          <ac:spMkLst>
+            <pc:docMk/>
+            <pc:sldMk cId="2884043026" sldId="256"/>
+            <ac:spMk id="10" creationId="{79BC8455-23FB-BE4C-AA01-3037D8878266}"/>
+          </ac:spMkLst>
+        </pc:spChg>
+        <pc:spChg chg="mod topLvl">
+          <ac:chgData name="Camille Gabriella Wathne" userId="9989f795-af2b-47cf-a099-5ee88ef5a7d7" providerId="ADAL" clId="{518A642C-F23E-4340-997C-EAB02103D75C}" dt="2022-05-02T02:19:53.780" v="334" actId="1076"/>
+          <ac:spMkLst>
+            <pc:docMk/>
+            <pc:sldMk cId="2884043026" sldId="256"/>
+            <ac:spMk id="11" creationId="{5FD56E1A-C171-B945-B71C-187EAEB720B7}"/>
+          </ac:spMkLst>
+        </pc:spChg>
+        <pc:spChg chg="mod topLvl">
+          <ac:chgData name="Camille Gabriella Wathne" userId="9989f795-af2b-47cf-a099-5ee88ef5a7d7" providerId="ADAL" clId="{518A642C-F23E-4340-997C-EAB02103D75C}" dt="2022-05-02T02:18:57.082" v="308" actId="1036"/>
+          <ac:spMkLst>
+            <pc:docMk/>
+            <pc:sldMk cId="2884043026" sldId="256"/>
+            <ac:spMk id="12" creationId="{81C03892-C676-AE4C-A3AE-5F7C56FADE15}"/>
+          </ac:spMkLst>
+        </pc:spChg>
+        <pc:spChg chg="mod topLvl">
+          <ac:chgData name="Camille Gabriella Wathne" userId="9989f795-af2b-47cf-a099-5ee88ef5a7d7" providerId="ADAL" clId="{518A642C-F23E-4340-997C-EAB02103D75C}" dt="2022-04-28T22:38:58.963" v="296" actId="1076"/>
+          <ac:spMkLst>
+            <pc:docMk/>
+            <pc:sldMk cId="2884043026" sldId="256"/>
+            <ac:spMk id="13" creationId="{BD28FDA2-A07C-164A-B4AF-86C75F065508}"/>
+          </ac:spMkLst>
+        </pc:spChg>
+        <pc:spChg chg="mod topLvl">
+          <ac:chgData name="Camille Gabriella Wathne" userId="9989f795-af2b-47cf-a099-5ee88ef5a7d7" providerId="ADAL" clId="{518A642C-F23E-4340-997C-EAB02103D75C}" dt="2022-04-28T22:38:58.963" v="296" actId="1076"/>
+          <ac:spMkLst>
+            <pc:docMk/>
+            <pc:sldMk cId="2884043026" sldId="256"/>
+            <ac:spMk id="14" creationId="{17A76D0B-6CE6-0640-A476-9640212110D5}"/>
+          </ac:spMkLst>
+        </pc:spChg>
+        <pc:spChg chg="mod topLvl">
+          <ac:chgData name="Camille Gabriella Wathne" userId="9989f795-af2b-47cf-a099-5ee88ef5a7d7" providerId="ADAL" clId="{518A642C-F23E-4340-997C-EAB02103D75C}" dt="2022-04-28T22:38:58.963" v="296" actId="1076"/>
+          <ac:spMkLst>
+            <pc:docMk/>
+            <pc:sldMk cId="2884043026" sldId="256"/>
+            <ac:spMk id="15" creationId="{28EB768C-E574-384D-BC54-DA633B17D4C5}"/>
+          </ac:spMkLst>
+        </pc:spChg>
+        <pc:spChg chg="mod topLvl">
+          <ac:chgData name="Camille Gabriella Wathne" userId="9989f795-af2b-47cf-a099-5ee88ef5a7d7" providerId="ADAL" clId="{518A642C-F23E-4340-997C-EAB02103D75C}" dt="2022-05-02T02:19:08.886" v="313" actId="1036"/>
+          <ac:spMkLst>
+            <pc:docMk/>
+            <pc:sldMk cId="2884043026" sldId="256"/>
+            <ac:spMk id="16" creationId="{DF545C2C-E1AD-BF4B-86EF-BB474ED6648A}"/>
+          </ac:spMkLst>
+        </pc:spChg>
+        <pc:spChg chg="mod topLvl">
+          <ac:chgData name="Camille Gabriella Wathne" userId="9989f795-af2b-47cf-a099-5ee88ef5a7d7" providerId="ADAL" clId="{518A642C-F23E-4340-997C-EAB02103D75C}" dt="2022-04-28T22:38:58.963" v="296" actId="1076"/>
+          <ac:spMkLst>
+            <pc:docMk/>
+            <pc:sldMk cId="2884043026" sldId="256"/>
+            <ac:spMk id="17" creationId="{00F7E28C-33C6-6B4A-8667-5788AA1957EA}"/>
+          </ac:spMkLst>
+        </pc:spChg>
+        <pc:spChg chg="mod topLvl">
+          <ac:chgData name="Camille Gabriella Wathne" userId="9989f795-af2b-47cf-a099-5ee88ef5a7d7" providerId="ADAL" clId="{518A642C-F23E-4340-997C-EAB02103D75C}" dt="2022-05-02T02:19:46.769" v="331" actId="1076"/>
+          <ac:spMkLst>
+            <pc:docMk/>
+            <pc:sldMk cId="2884043026" sldId="256"/>
+            <ac:spMk id="18" creationId="{650E5AD0-BF46-B646-89FB-5C750A1B3A37}"/>
+          </ac:spMkLst>
+        </pc:spChg>
+        <pc:spChg chg="mod topLvl">
+          <ac:chgData name="Camille Gabriella Wathne" userId="9989f795-af2b-47cf-a099-5ee88ef5a7d7" providerId="ADAL" clId="{518A642C-F23E-4340-997C-EAB02103D75C}" dt="2022-04-28T22:38:58.963" v="296" actId="1076"/>
+          <ac:spMkLst>
+            <pc:docMk/>
+            <pc:sldMk cId="2884043026" sldId="256"/>
+            <ac:spMk id="19" creationId="{D84BD7D6-C7AA-8545-977C-038F7CA3F1F7}"/>
+          </ac:spMkLst>
+        </pc:spChg>
+        <pc:spChg chg="del topLvl">
+          <ac:chgData name="Camille Gabriella Wathne" userId="9989f795-af2b-47cf-a099-5ee88ef5a7d7" providerId="ADAL" clId="{518A642C-F23E-4340-997C-EAB02103D75C}" dt="2022-04-28T22:16:08.548" v="129" actId="478"/>
+          <ac:spMkLst>
+            <pc:docMk/>
+            <pc:sldMk cId="2884043026" sldId="256"/>
+            <ac:spMk id="20" creationId="{1363D343-8DE2-354F-A0AD-901A8415E3AF}"/>
+          </ac:spMkLst>
+        </pc:spChg>
+        <pc:spChg chg="del topLvl">
+          <ac:chgData name="Camille Gabriella Wathne" userId="9989f795-af2b-47cf-a099-5ee88ef5a7d7" providerId="ADAL" clId="{518A642C-F23E-4340-997C-EAB02103D75C}" dt="2022-04-28T22:16:01.855" v="126" actId="478"/>
+          <ac:spMkLst>
+            <pc:docMk/>
+            <pc:sldMk cId="2884043026" sldId="256"/>
+            <ac:spMk id="21" creationId="{0071BAB2-836A-9E47-8CDA-2AACE4F159EC}"/>
+          </ac:spMkLst>
+        </pc:spChg>
+        <pc:spChg chg="del topLvl">
+          <ac:chgData name="Camille Gabriella Wathne" userId="9989f795-af2b-47cf-a099-5ee88ef5a7d7" providerId="ADAL" clId="{518A642C-F23E-4340-997C-EAB02103D75C}" dt="2022-04-28T22:16:07.637" v="128" actId="478"/>
+          <ac:spMkLst>
+            <pc:docMk/>
+            <pc:sldMk cId="2884043026" sldId="256"/>
+            <ac:spMk id="22" creationId="{0CBDA984-05AD-ED4E-9B47-DFBC096FAF48}"/>
+          </ac:spMkLst>
+        </pc:spChg>
+        <pc:spChg chg="mod topLvl">
+          <ac:chgData name="Camille Gabriella Wathne" userId="9989f795-af2b-47cf-a099-5ee88ef5a7d7" providerId="ADAL" clId="{518A642C-F23E-4340-997C-EAB02103D75C}" dt="2022-04-28T22:38:58.963" v="296" actId="1076"/>
+          <ac:spMkLst>
+            <pc:docMk/>
+            <pc:sldMk cId="2884043026" sldId="256"/>
+            <ac:spMk id="23" creationId="{D079DEF5-EDDE-8F4F-A03D-1287B3185CE1}"/>
+          </ac:spMkLst>
+        </pc:spChg>
+        <pc:spChg chg="mod topLvl">
+          <ac:chgData name="Camille Gabriella Wathne" userId="9989f795-af2b-47cf-a099-5ee88ef5a7d7" providerId="ADAL" clId="{518A642C-F23E-4340-997C-EAB02103D75C}" dt="2022-04-28T22:38:58.963" v="296" actId="1076"/>
+          <ac:spMkLst>
+            <pc:docMk/>
+            <pc:sldMk cId="2884043026" sldId="256"/>
+            <ac:spMk id="24" creationId="{9EC28620-DA3A-B844-A3B1-117E3A9AF97E}"/>
+          </ac:spMkLst>
+        </pc:spChg>
+        <pc:spChg chg="mod topLvl">
+          <ac:chgData name="Camille Gabriella Wathne" userId="9989f795-af2b-47cf-a099-5ee88ef5a7d7" providerId="ADAL" clId="{518A642C-F23E-4340-997C-EAB02103D75C}" dt="2022-04-28T22:38:58.963" v="296" actId="1076"/>
+          <ac:spMkLst>
+            <pc:docMk/>
+            <pc:sldMk cId="2884043026" sldId="256"/>
+            <ac:spMk id="26" creationId="{6D99E093-7502-734A-91AB-67D7F4503538}"/>
+          </ac:spMkLst>
+        </pc:spChg>
+        <pc:spChg chg="mod topLvl">
+          <ac:chgData name="Camille Gabriella Wathne" userId="9989f795-af2b-47cf-a099-5ee88ef5a7d7" providerId="ADAL" clId="{518A642C-F23E-4340-997C-EAB02103D75C}" dt="2022-04-28T22:38:58.963" v="296" actId="1076"/>
+          <ac:spMkLst>
+            <pc:docMk/>
+            <pc:sldMk cId="2884043026" sldId="256"/>
+            <ac:spMk id="27" creationId="{31CC865C-26C9-E145-9BCB-D60EDCAF34C8}"/>
+          </ac:spMkLst>
+        </pc:spChg>
+        <pc:spChg chg="mod topLvl">
+          <ac:chgData name="Camille Gabriella Wathne" userId="9989f795-af2b-47cf-a099-5ee88ef5a7d7" providerId="ADAL" clId="{518A642C-F23E-4340-997C-EAB02103D75C}" dt="2022-04-28T22:38:58.963" v="296" actId="1076"/>
+          <ac:spMkLst>
+            <pc:docMk/>
+            <pc:sldMk cId="2884043026" sldId="256"/>
+            <ac:spMk id="29" creationId="{40C38382-8C1E-5B4F-83D5-91DC9CE1C46C}"/>
+          </ac:spMkLst>
+        </pc:spChg>
+        <pc:spChg chg="mod topLvl">
+          <ac:chgData name="Camille Gabriella Wathne" userId="9989f795-af2b-47cf-a099-5ee88ef5a7d7" providerId="ADAL" clId="{518A642C-F23E-4340-997C-EAB02103D75C}" dt="2022-05-02T02:18:20.696" v="303" actId="1076"/>
+          <ac:spMkLst>
+            <pc:docMk/>
+            <pc:sldMk cId="2884043026" sldId="256"/>
+            <ac:spMk id="30" creationId="{26C2DB4F-65FD-5D44-84EA-F8B6ADE8EA3C}"/>
+          </ac:spMkLst>
+        </pc:spChg>
+        <pc:spChg chg="add mod">
+          <ac:chgData name="Camille Gabriella Wathne" userId="9989f795-af2b-47cf-a099-5ee88ef5a7d7" providerId="ADAL" clId="{518A642C-F23E-4340-997C-EAB02103D75C}" dt="2022-04-28T22:38:58.963" v="296" actId="1076"/>
+          <ac:spMkLst>
+            <pc:docMk/>
+            <pc:sldMk cId="2884043026" sldId="256"/>
+            <ac:spMk id="33" creationId="{1399ADB9-C747-B643-AB61-1061F7D6E50D}"/>
+          </ac:spMkLst>
+        </pc:spChg>
+        <pc:spChg chg="add mod">
+          <ac:chgData name="Camille Gabriella Wathne" userId="9989f795-af2b-47cf-a099-5ee88ef5a7d7" providerId="ADAL" clId="{518A642C-F23E-4340-997C-EAB02103D75C}" dt="2022-05-02T02:19:24.454" v="319" actId="1035"/>
+          <ac:spMkLst>
+            <pc:docMk/>
+            <pc:sldMk cId="2884043026" sldId="256"/>
+            <ac:spMk id="44" creationId="{51CE3816-6198-D942-A7FB-924A939EB67D}"/>
+          </ac:spMkLst>
+        </pc:spChg>
+        <pc:spChg chg="add mod">
+          <ac:chgData name="Camille Gabriella Wathne" userId="9989f795-af2b-47cf-a099-5ee88ef5a7d7" providerId="ADAL" clId="{518A642C-F23E-4340-997C-EAB02103D75C}" dt="2022-05-02T02:19:25.579" v="321" actId="1036"/>
+          <ac:spMkLst>
+            <pc:docMk/>
+            <pc:sldMk cId="2884043026" sldId="256"/>
+            <ac:spMk id="45" creationId="{EDAC7E8E-F912-1C45-B88D-F19AA5EDFF49}"/>
+          </ac:spMkLst>
+        </pc:spChg>
+        <pc:spChg chg="add mod">
+          <ac:chgData name="Camille Gabriella Wathne" userId="9989f795-af2b-47cf-a099-5ee88ef5a7d7" providerId="ADAL" clId="{518A642C-F23E-4340-997C-EAB02103D75C}" dt="2022-05-02T02:19:16.047" v="317" actId="1038"/>
+          <ac:spMkLst>
+            <pc:docMk/>
+            <pc:sldMk cId="2884043026" sldId="256"/>
+            <ac:spMk id="48" creationId="{8487AA55-8492-D544-B5DD-BD9D7884D411}"/>
+          </ac:spMkLst>
+        </pc:spChg>
+        <pc:spChg chg="add mod">
+          <ac:chgData name="Camille Gabriella Wathne" userId="9989f795-af2b-47cf-a099-5ee88ef5a7d7" providerId="ADAL" clId="{518A642C-F23E-4340-997C-EAB02103D75C}" dt="2022-04-28T22:38:58.963" v="296" actId="1076"/>
+          <ac:spMkLst>
+            <pc:docMk/>
+            <pc:sldMk cId="2884043026" sldId="256"/>
+            <ac:spMk id="49" creationId="{6E0A1FEA-06FC-6448-880A-55565AECDD84}"/>
+          </ac:spMkLst>
+        </pc:spChg>
+        <pc:spChg chg="add mod">
+          <ac:chgData name="Camille Gabriella Wathne" userId="9989f795-af2b-47cf-a099-5ee88ef5a7d7" providerId="ADAL" clId="{518A642C-F23E-4340-997C-EAB02103D75C}" dt="2022-04-28T22:38:58.963" v="296" actId="1076"/>
+          <ac:spMkLst>
+            <pc:docMk/>
+            <pc:sldMk cId="2884043026" sldId="256"/>
+            <ac:spMk id="50" creationId="{8436CC6B-FFCD-574B-A15B-4DB47EF5426F}"/>
+          </ac:spMkLst>
+        </pc:spChg>
+        <pc:spChg chg="add mod">
+          <ac:chgData name="Camille Gabriella Wathne" userId="9989f795-af2b-47cf-a099-5ee88ef5a7d7" providerId="ADAL" clId="{518A642C-F23E-4340-997C-EAB02103D75C}" dt="2022-05-02T02:21:05.759" v="337" actId="1076"/>
+          <ac:spMkLst>
+            <pc:docMk/>
+            <pc:sldMk cId="2884043026" sldId="256"/>
+            <ac:spMk id="54" creationId="{B46C6407-7D38-FB43-9F29-605A1E6CEFA5}"/>
+          </ac:spMkLst>
+        </pc:spChg>
+        <pc:spChg chg="add mod">
+          <ac:chgData name="Camille Gabriella Wathne" userId="9989f795-af2b-47cf-a099-5ee88ef5a7d7" providerId="ADAL" clId="{518A642C-F23E-4340-997C-EAB02103D75C}" dt="2022-04-28T22:38:58.963" v="296" actId="1076"/>
+          <ac:spMkLst>
+            <pc:docMk/>
+            <pc:sldMk cId="2884043026" sldId="256"/>
+            <ac:spMk id="55" creationId="{CC3ACC2B-F362-4646-8B21-D5F61990CE85}"/>
+          </ac:spMkLst>
+        </pc:spChg>
+        <pc:spChg chg="add mod">
+          <ac:chgData name="Camille Gabriella Wathne" userId="9989f795-af2b-47cf-a099-5ee88ef5a7d7" providerId="ADAL" clId="{518A642C-F23E-4340-997C-EAB02103D75C}" dt="2022-04-28T22:38:58.963" v="296" actId="1076"/>
+          <ac:spMkLst>
+            <pc:docMk/>
+            <pc:sldMk cId="2884043026" sldId="256"/>
+            <ac:spMk id="59" creationId="{24B09293-2E97-794C-8B5A-9C9C14D08E88}"/>
+          </ac:spMkLst>
+        </pc:spChg>
+        <pc:grpChg chg="add mod">
+          <ac:chgData name="Camille Gabriella Wathne" userId="9989f795-af2b-47cf-a099-5ee88ef5a7d7" providerId="ADAL" clId="{518A642C-F23E-4340-997C-EAB02103D75C}" dt="2022-05-02T03:38:03.221" v="345" actId="1035"/>
+          <ac:grpSpMkLst>
+            <pc:docMk/>
+            <pc:sldMk cId="2884043026" sldId="256"/>
+            <ac:grpSpMk id="2" creationId="{AD69C605-479D-5A47-A1FC-0C8C54649B49}"/>
+          </ac:grpSpMkLst>
+        </pc:grpChg>
+        <pc:grpChg chg="del">
+          <ac:chgData name="Camille Gabriella Wathne" userId="9989f795-af2b-47cf-a099-5ee88ef5a7d7" providerId="ADAL" clId="{518A642C-F23E-4340-997C-EAB02103D75C}" dt="2022-04-28T22:10:35.443" v="26" actId="165"/>
+          <ac:grpSpMkLst>
+            <pc:docMk/>
+            <pc:sldMk cId="2884043026" sldId="256"/>
+            <ac:grpSpMk id="4" creationId="{3E6C4804-7DE8-174C-806A-BE3D338573A6}"/>
+          </ac:grpSpMkLst>
+        </pc:grpChg>
+        <pc:cxnChg chg="mod topLvl">
+          <ac:chgData name="Camille Gabriella Wathne" userId="9989f795-af2b-47cf-a099-5ee88ef5a7d7" providerId="ADAL" clId="{518A642C-F23E-4340-997C-EAB02103D75C}" dt="2022-04-28T22:38:58.963" v="296" actId="1076"/>
+          <ac:cxnSpMkLst>
+            <pc:docMk/>
+            <pc:sldMk cId="2884043026" sldId="256"/>
+            <ac:cxnSpMk id="25" creationId="{A844F369-9C96-4743-9445-0232E4E5980F}"/>
+          </ac:cxnSpMkLst>
+        </pc:cxnChg>
+        <pc:cxnChg chg="mod topLvl">
+          <ac:chgData name="Camille Gabriella Wathne" userId="9989f795-af2b-47cf-a099-5ee88ef5a7d7" providerId="ADAL" clId="{518A642C-F23E-4340-997C-EAB02103D75C}" dt="2022-04-28T22:38:58.963" v="296" actId="1076"/>
+          <ac:cxnSpMkLst>
+            <pc:docMk/>
+            <pc:sldMk cId="2884043026" sldId="256"/>
+            <ac:cxnSpMk id="28" creationId="{1BED0510-E352-624B-A5F2-80164D36B085}"/>
+          </ac:cxnSpMkLst>
+        </pc:cxnChg>
+        <pc:cxnChg chg="del topLvl">
+          <ac:chgData name="Camille Gabriella Wathne" userId="9989f795-af2b-47cf-a099-5ee88ef5a7d7" providerId="ADAL" clId="{518A642C-F23E-4340-997C-EAB02103D75C}" dt="2022-04-28T22:16:02.394" v="127" actId="478"/>
+          <ac:cxnSpMkLst>
+            <pc:docMk/>
+            <pc:sldMk cId="2884043026" sldId="256"/>
+            <ac:cxnSpMk id="31" creationId="{D327731A-652E-494D-8210-BF27304CFA46}"/>
+          </ac:cxnSpMkLst>
+        </pc:cxnChg>
+        <pc:cxnChg chg="mod topLvl">
+          <ac:chgData name="Camille Gabriella Wathne" userId="9989f795-af2b-47cf-a099-5ee88ef5a7d7" providerId="ADAL" clId="{518A642C-F23E-4340-997C-EAB02103D75C}" dt="2022-04-28T22:38:58.963" v="296" actId="1076"/>
+          <ac:cxnSpMkLst>
+            <pc:docMk/>
+            <pc:sldMk cId="2884043026" sldId="256"/>
+            <ac:cxnSpMk id="32" creationId="{8EC21EBA-9401-D34F-A557-8F6581143C97}"/>
+          </ac:cxnSpMkLst>
+        </pc:cxnChg>
+        <pc:cxnChg chg="add mod">
+          <ac:chgData name="Camille Gabriella Wathne" userId="9989f795-af2b-47cf-a099-5ee88ef5a7d7" providerId="ADAL" clId="{518A642C-F23E-4340-997C-EAB02103D75C}" dt="2022-04-28T22:38:58.963" v="296" actId="1076"/>
+          <ac:cxnSpMkLst>
+            <pc:docMk/>
+            <pc:sldMk cId="2884043026" sldId="256"/>
+            <ac:cxnSpMk id="51" creationId="{DEF8EFF8-E657-BD43-961E-729F07C88E0C}"/>
+          </ac:cxnSpMkLst>
+        </pc:cxnChg>
+        <pc:cxnChg chg="add mod">
+          <ac:chgData name="Camille Gabriella Wathne" userId="9989f795-af2b-47cf-a099-5ee88ef5a7d7" providerId="ADAL" clId="{518A642C-F23E-4340-997C-EAB02103D75C}" dt="2022-05-02T02:21:02.821" v="336" actId="1076"/>
+          <ac:cxnSpMkLst>
+            <pc:docMk/>
+            <pc:sldMk cId="2884043026" sldId="256"/>
+            <ac:cxnSpMk id="56" creationId="{2C848A03-38A7-8B40-B8D4-64070C410AF9}"/>
+          </ac:cxnSpMkLst>
+        </pc:cxnChg>
+      </pc:sldChg>
+      <pc:sldChg chg="addSp delSp modSp add mod">
+        <pc:chgData name="Camille Gabriella Wathne" userId="9989f795-af2b-47cf-a099-5ee88ef5a7d7" providerId="ADAL" clId="{518A642C-F23E-4340-997C-EAB02103D75C}" dt="2022-05-02T03:38:59.623" v="350" actId="164"/>
+        <pc:sldMkLst>
+          <pc:docMk/>
+          <pc:sldMk cId="2909026660" sldId="257"/>
+        </pc:sldMkLst>
+        <pc:spChg chg="topLvl">
+          <ac:chgData name="Camille Gabriella Wathne" userId="9989f795-af2b-47cf-a099-5ee88ef5a7d7" providerId="ADAL" clId="{518A642C-F23E-4340-997C-EAB02103D75C}" dt="2022-05-02T03:37:43.248" v="340" actId="165"/>
+          <ac:spMkLst>
+            <pc:docMk/>
+            <pc:sldMk cId="2909026660" sldId="257"/>
+            <ac:spMk id="5" creationId="{B0F733EF-2DCD-824D-BD8F-C022B8F25C89}"/>
+          </ac:spMkLst>
+        </pc:spChg>
+        <pc:spChg chg="topLvl">
+          <ac:chgData name="Camille Gabriella Wathne" userId="9989f795-af2b-47cf-a099-5ee88ef5a7d7" providerId="ADAL" clId="{518A642C-F23E-4340-997C-EAB02103D75C}" dt="2022-05-02T03:37:43.248" v="340" actId="165"/>
+          <ac:spMkLst>
+            <pc:docMk/>
+            <pc:sldMk cId="2909026660" sldId="257"/>
+            <ac:spMk id="6" creationId="{50EFC966-09E0-D240-BB0C-3AD2B91EB18D}"/>
+          </ac:spMkLst>
+        </pc:spChg>
+        <pc:spChg chg="topLvl">
+          <ac:chgData name="Camille Gabriella Wathne" userId="9989f795-af2b-47cf-a099-5ee88ef5a7d7" providerId="ADAL" clId="{518A642C-F23E-4340-997C-EAB02103D75C}" dt="2022-05-02T03:37:43.248" v="340" actId="165"/>
+          <ac:spMkLst>
+            <pc:docMk/>
+            <pc:sldMk cId="2909026660" sldId="257"/>
+            <ac:spMk id="7" creationId="{8B0119DD-3041-A249-8277-E6289EF2BF6E}"/>
+          </ac:spMkLst>
+        </pc:spChg>
+        <pc:spChg chg="topLvl">
+          <ac:chgData name="Camille Gabriella Wathne" userId="9989f795-af2b-47cf-a099-5ee88ef5a7d7" providerId="ADAL" clId="{518A642C-F23E-4340-997C-EAB02103D75C}" dt="2022-05-02T03:37:43.248" v="340" actId="165"/>
+          <ac:spMkLst>
+            <pc:docMk/>
+            <pc:sldMk cId="2909026660" sldId="257"/>
+            <ac:spMk id="8" creationId="{46AA1FE2-41DA-0C46-A7DF-82CB2C355390}"/>
+          </ac:spMkLst>
+        </pc:spChg>
+        <pc:spChg chg="topLvl">
+          <ac:chgData name="Camille Gabriella Wathne" userId="9989f795-af2b-47cf-a099-5ee88ef5a7d7" providerId="ADAL" clId="{518A642C-F23E-4340-997C-EAB02103D75C}" dt="2022-05-02T03:37:43.248" v="340" actId="165"/>
+          <ac:spMkLst>
+            <pc:docMk/>
+            <pc:sldMk cId="2909026660" sldId="257"/>
+            <ac:spMk id="9" creationId="{7854059A-06BF-794B-81F7-D03527E0A66D}"/>
+          </ac:spMkLst>
+        </pc:spChg>
+        <pc:spChg chg="mod topLvl">
+          <ac:chgData name="Camille Gabriella Wathne" userId="9989f795-af2b-47cf-a099-5ee88ef5a7d7" providerId="ADAL" clId="{518A642C-F23E-4340-997C-EAB02103D75C}" dt="2022-05-02T03:38:00.130" v="343" actId="1038"/>
+          <ac:spMkLst>
+            <pc:docMk/>
+            <pc:sldMk cId="2909026660" sldId="257"/>
+            <ac:spMk id="10" creationId="{79BC8455-23FB-BE4C-AA01-3037D8878266}"/>
+          </ac:spMkLst>
+        </pc:spChg>
+        <pc:spChg chg="mod topLvl">
+          <ac:chgData name="Camille Gabriella Wathne" userId="9989f795-af2b-47cf-a099-5ee88ef5a7d7" providerId="ADAL" clId="{518A642C-F23E-4340-997C-EAB02103D75C}" dt="2022-05-02T03:38:14.562" v="348" actId="207"/>
+          <ac:spMkLst>
+            <pc:docMk/>
+            <pc:sldMk cId="2909026660" sldId="257"/>
+            <ac:spMk id="11" creationId="{5FD56E1A-C171-B945-B71C-187EAEB720B7}"/>
+          </ac:spMkLst>
+        </pc:spChg>
+        <pc:spChg chg="topLvl">
+          <ac:chgData name="Camille Gabriella Wathne" userId="9989f795-af2b-47cf-a099-5ee88ef5a7d7" providerId="ADAL" clId="{518A642C-F23E-4340-997C-EAB02103D75C}" dt="2022-05-02T03:37:43.248" v="340" actId="165"/>
+          <ac:spMkLst>
+            <pc:docMk/>
+            <pc:sldMk cId="2909026660" sldId="257"/>
+            <ac:spMk id="12" creationId="{81C03892-C676-AE4C-A3AE-5F7C56FADE15}"/>
+          </ac:spMkLst>
+        </pc:spChg>
+        <pc:spChg chg="topLvl">
+          <ac:chgData name="Camille Gabriella Wathne" userId="9989f795-af2b-47cf-a099-5ee88ef5a7d7" providerId="ADAL" clId="{518A642C-F23E-4340-997C-EAB02103D75C}" dt="2022-05-02T03:37:43.248" v="340" actId="165"/>
+          <ac:spMkLst>
+            <pc:docMk/>
+            <pc:sldMk cId="2909026660" sldId="257"/>
+            <ac:spMk id="13" creationId="{BD28FDA2-A07C-164A-B4AF-86C75F065508}"/>
+          </ac:spMkLst>
+        </pc:spChg>
+        <pc:spChg chg="topLvl">
+          <ac:chgData name="Camille Gabriella Wathne" userId="9989f795-af2b-47cf-a099-5ee88ef5a7d7" providerId="ADAL" clId="{518A642C-F23E-4340-997C-EAB02103D75C}" dt="2022-05-02T03:37:43.248" v="340" actId="165"/>
+          <ac:spMkLst>
+            <pc:docMk/>
+            <pc:sldMk cId="2909026660" sldId="257"/>
+            <ac:spMk id="14" creationId="{17A76D0B-6CE6-0640-A476-9640212110D5}"/>
+          </ac:spMkLst>
+        </pc:spChg>
+        <pc:spChg chg="mod topLvl">
+          <ac:chgData name="Camille Gabriella Wathne" userId="9989f795-af2b-47cf-a099-5ee88ef5a7d7" providerId="ADAL" clId="{518A642C-F23E-4340-997C-EAB02103D75C}" dt="2022-05-02T03:37:54.304" v="341" actId="207"/>
+          <ac:spMkLst>
+            <pc:docMk/>
+            <pc:sldMk cId="2909026660" sldId="257"/>
+            <ac:spMk id="15" creationId="{28EB768C-E574-384D-BC54-DA633B17D4C5}"/>
+          </ac:spMkLst>
+        </pc:spChg>
+        <pc:spChg chg="topLvl">
+          <ac:chgData name="Camille Gabriella Wathne" userId="9989f795-af2b-47cf-a099-5ee88ef5a7d7" providerId="ADAL" clId="{518A642C-F23E-4340-997C-EAB02103D75C}" dt="2022-05-02T03:37:43.248" v="340" actId="165"/>
+          <ac:spMkLst>
+            <pc:docMk/>
+            <pc:sldMk cId="2909026660" sldId="257"/>
+            <ac:spMk id="16" creationId="{DF545C2C-E1AD-BF4B-86EF-BB474ED6648A}"/>
+          </ac:spMkLst>
+        </pc:spChg>
+        <pc:spChg chg="topLvl">
+          <ac:chgData name="Camille Gabriella Wathne" userId="9989f795-af2b-47cf-a099-5ee88ef5a7d7" providerId="ADAL" clId="{518A642C-F23E-4340-997C-EAB02103D75C}" dt="2022-05-02T03:37:43.248" v="340" actId="165"/>
+          <ac:spMkLst>
+            <pc:docMk/>
+            <pc:sldMk cId="2909026660" sldId="257"/>
+            <ac:spMk id="17" creationId="{00F7E28C-33C6-6B4A-8667-5788AA1957EA}"/>
+          </ac:spMkLst>
+        </pc:spChg>
+        <pc:spChg chg="mod topLvl">
+          <ac:chgData name="Camille Gabriella Wathne" userId="9989f795-af2b-47cf-a099-5ee88ef5a7d7" providerId="ADAL" clId="{518A642C-F23E-4340-997C-EAB02103D75C}" dt="2022-05-02T03:38:14.562" v="348" actId="207"/>
+          <ac:spMkLst>
+            <pc:docMk/>
+            <pc:sldMk cId="2909026660" sldId="257"/>
+            <ac:spMk id="18" creationId="{650E5AD0-BF46-B646-89FB-5C750A1B3A37}"/>
+          </ac:spMkLst>
+        </pc:spChg>
+        <pc:spChg chg="topLvl">
+          <ac:chgData name="Camille Gabriella Wathne" userId="9989f795-af2b-47cf-a099-5ee88ef5a7d7" providerId="ADAL" clId="{518A642C-F23E-4340-997C-EAB02103D75C}" dt="2022-05-02T03:37:43.248" v="340" actId="165"/>
+          <ac:spMkLst>
+            <pc:docMk/>
+            <pc:sldMk cId="2909026660" sldId="257"/>
+            <ac:spMk id="19" creationId="{D84BD7D6-C7AA-8545-977C-038F7CA3F1F7}"/>
+          </ac:spMkLst>
+        </pc:spChg>
+        <pc:spChg chg="topLvl">
+          <ac:chgData name="Camille Gabriella Wathne" userId="9989f795-af2b-47cf-a099-5ee88ef5a7d7" providerId="ADAL" clId="{518A642C-F23E-4340-997C-EAB02103D75C}" dt="2022-05-02T03:37:43.248" v="340" actId="165"/>
+          <ac:spMkLst>
+            <pc:docMk/>
+            <pc:sldMk cId="2909026660" sldId="257"/>
+            <ac:spMk id="23" creationId="{D079DEF5-EDDE-8F4F-A03D-1287B3185CE1}"/>
+          </ac:spMkLst>
+        </pc:spChg>
+        <pc:spChg chg="mod topLvl">
+          <ac:chgData name="Camille Gabriella Wathne" userId="9989f795-af2b-47cf-a099-5ee88ef5a7d7" providerId="ADAL" clId="{518A642C-F23E-4340-997C-EAB02103D75C}" dt="2022-05-02T03:38:14.562" v="348" actId="207"/>
+          <ac:spMkLst>
+            <pc:docMk/>
+            <pc:sldMk cId="2909026660" sldId="257"/>
+            <ac:spMk id="24" creationId="{9EC28620-DA3A-B844-A3B1-117E3A9AF97E}"/>
+          </ac:spMkLst>
+        </pc:spChg>
+        <pc:spChg chg="mod topLvl">
+          <ac:chgData name="Camille Gabriella Wathne" userId="9989f795-af2b-47cf-a099-5ee88ef5a7d7" providerId="ADAL" clId="{518A642C-F23E-4340-997C-EAB02103D75C}" dt="2022-05-02T03:37:54.304" v="341" actId="207"/>
+          <ac:spMkLst>
+            <pc:docMk/>
+            <pc:sldMk cId="2909026660" sldId="257"/>
+            <ac:spMk id="26" creationId="{6D99E093-7502-734A-91AB-67D7F4503538}"/>
+          </ac:spMkLst>
+        </pc:spChg>
+        <pc:spChg chg="mod topLvl">
+          <ac:chgData name="Camille Gabriella Wathne" userId="9989f795-af2b-47cf-a099-5ee88ef5a7d7" providerId="ADAL" clId="{518A642C-F23E-4340-997C-EAB02103D75C}" dt="2022-05-02T03:38:14.562" v="348" actId="207"/>
+          <ac:spMkLst>
+            <pc:docMk/>
+            <pc:sldMk cId="2909026660" sldId="257"/>
+            <ac:spMk id="27" creationId="{31CC865C-26C9-E145-9BCB-D60EDCAF34C8}"/>
+          </ac:spMkLst>
+        </pc:spChg>
+        <pc:spChg chg="topLvl">
+          <ac:chgData name="Camille Gabriella Wathne" userId="9989f795-af2b-47cf-a099-5ee88ef5a7d7" providerId="ADAL" clId="{518A642C-F23E-4340-997C-EAB02103D75C}" dt="2022-05-02T03:37:43.248" v="340" actId="165"/>
+          <ac:spMkLst>
+            <pc:docMk/>
+            <pc:sldMk cId="2909026660" sldId="257"/>
+            <ac:spMk id="29" creationId="{40C38382-8C1E-5B4F-83D5-91DC9CE1C46C}"/>
+          </ac:spMkLst>
+        </pc:spChg>
+        <pc:spChg chg="mod topLvl">
+          <ac:chgData name="Camille Gabriella Wathne" userId="9989f795-af2b-47cf-a099-5ee88ef5a7d7" providerId="ADAL" clId="{518A642C-F23E-4340-997C-EAB02103D75C}" dt="2022-05-02T03:37:54.304" v="341" actId="207"/>
+          <ac:spMkLst>
+            <pc:docMk/>
+            <pc:sldMk cId="2909026660" sldId="257"/>
+            <ac:spMk id="30" creationId="{26C2DB4F-65FD-5D44-84EA-F8B6ADE8EA3C}"/>
+          </ac:spMkLst>
+        </pc:spChg>
+        <pc:spChg chg="topLvl">
+          <ac:chgData name="Camille Gabriella Wathne" userId="9989f795-af2b-47cf-a099-5ee88ef5a7d7" providerId="ADAL" clId="{518A642C-F23E-4340-997C-EAB02103D75C}" dt="2022-05-02T03:37:43.248" v="340" actId="165"/>
+          <ac:spMkLst>
+            <pc:docMk/>
+            <pc:sldMk cId="2909026660" sldId="257"/>
+            <ac:spMk id="33" creationId="{1399ADB9-C747-B643-AB61-1061F7D6E50D}"/>
+          </ac:spMkLst>
+        </pc:spChg>
+        <pc:spChg chg="topLvl">
+          <ac:chgData name="Camille Gabriella Wathne" userId="9989f795-af2b-47cf-a099-5ee88ef5a7d7" providerId="ADAL" clId="{518A642C-F23E-4340-997C-EAB02103D75C}" dt="2022-05-02T03:37:43.248" v="340" actId="165"/>
+          <ac:spMkLst>
+            <pc:docMk/>
+            <pc:sldMk cId="2909026660" sldId="257"/>
+            <ac:spMk id="44" creationId="{51CE3816-6198-D942-A7FB-924A939EB67D}"/>
+          </ac:spMkLst>
+        </pc:spChg>
+        <pc:spChg chg="topLvl">
+          <ac:chgData name="Camille Gabriella Wathne" userId="9989f795-af2b-47cf-a099-5ee88ef5a7d7" providerId="ADAL" clId="{518A642C-F23E-4340-997C-EAB02103D75C}" dt="2022-05-02T03:37:43.248" v="340" actId="165"/>
+          <ac:spMkLst>
+            <pc:docMk/>
+            <pc:sldMk cId="2909026660" sldId="257"/>
+            <ac:spMk id="45" creationId="{EDAC7E8E-F912-1C45-B88D-F19AA5EDFF49}"/>
+          </ac:spMkLst>
+        </pc:spChg>
+        <pc:spChg chg="topLvl">
+          <ac:chgData name="Camille Gabriella Wathne" userId="9989f795-af2b-47cf-a099-5ee88ef5a7d7" providerId="ADAL" clId="{518A642C-F23E-4340-997C-EAB02103D75C}" dt="2022-05-02T03:37:43.248" v="340" actId="165"/>
+          <ac:spMkLst>
+            <pc:docMk/>
+            <pc:sldMk cId="2909026660" sldId="257"/>
+            <ac:spMk id="48" creationId="{8487AA55-8492-D544-B5DD-BD9D7884D411}"/>
+          </ac:spMkLst>
+        </pc:spChg>
+        <pc:spChg chg="topLvl">
+          <ac:chgData name="Camille Gabriella Wathne" userId="9989f795-af2b-47cf-a099-5ee88ef5a7d7" providerId="ADAL" clId="{518A642C-F23E-4340-997C-EAB02103D75C}" dt="2022-05-02T03:37:43.248" v="340" actId="165"/>
+          <ac:spMkLst>
+            <pc:docMk/>
+            <pc:sldMk cId="2909026660" sldId="257"/>
+            <ac:spMk id="49" creationId="{6E0A1FEA-06FC-6448-880A-55565AECDD84}"/>
+          </ac:spMkLst>
+        </pc:spChg>
+        <pc:spChg chg="topLvl">
+          <ac:chgData name="Camille Gabriella Wathne" userId="9989f795-af2b-47cf-a099-5ee88ef5a7d7" providerId="ADAL" clId="{518A642C-F23E-4340-997C-EAB02103D75C}" dt="2022-05-02T03:37:43.248" v="340" actId="165"/>
+          <ac:spMkLst>
+            <pc:docMk/>
+            <pc:sldMk cId="2909026660" sldId="257"/>
+            <ac:spMk id="50" creationId="{8436CC6B-FFCD-574B-A15B-4DB47EF5426F}"/>
+          </ac:spMkLst>
+        </pc:spChg>
+        <pc:spChg chg="mod topLvl">
+          <ac:chgData name="Camille Gabriella Wathne" userId="9989f795-af2b-47cf-a099-5ee88ef5a7d7" providerId="ADAL" clId="{518A642C-F23E-4340-997C-EAB02103D75C}" dt="2022-05-02T03:38:14.562" v="348" actId="207"/>
+          <ac:spMkLst>
+            <pc:docMk/>
+            <pc:sldMk cId="2909026660" sldId="257"/>
+            <ac:spMk id="54" creationId="{B46C6407-7D38-FB43-9F29-605A1E6CEFA5}"/>
+          </ac:spMkLst>
+        </pc:spChg>
+        <pc:spChg chg="mod topLvl">
+          <ac:chgData name="Camille Gabriella Wathne" userId="9989f795-af2b-47cf-a099-5ee88ef5a7d7" providerId="ADAL" clId="{518A642C-F23E-4340-997C-EAB02103D75C}" dt="2022-05-02T03:38:14.562" v="348" actId="207"/>
+          <ac:spMkLst>
+            <pc:docMk/>
+            <pc:sldMk cId="2909026660" sldId="257"/>
+            <ac:spMk id="55" creationId="{CC3ACC2B-F362-4646-8B21-D5F61990CE85}"/>
+          </ac:spMkLst>
+        </pc:spChg>
+        <pc:spChg chg="mod topLvl">
+          <ac:chgData name="Camille Gabriella Wathne" userId="9989f795-af2b-47cf-a099-5ee88ef5a7d7" providerId="ADAL" clId="{518A642C-F23E-4340-997C-EAB02103D75C}" dt="2022-05-02T03:37:54.304" v="341" actId="207"/>
+          <ac:spMkLst>
+            <pc:docMk/>
+            <pc:sldMk cId="2909026660" sldId="257"/>
+            <ac:spMk id="59" creationId="{24B09293-2E97-794C-8B5A-9C9C14D08E88}"/>
+          </ac:spMkLst>
+        </pc:spChg>
+        <pc:grpChg chg="del">
+          <ac:chgData name="Camille Gabriella Wathne" userId="9989f795-af2b-47cf-a099-5ee88ef5a7d7" providerId="ADAL" clId="{518A642C-F23E-4340-997C-EAB02103D75C}" dt="2022-05-02T03:37:43.248" v="340" actId="165"/>
+          <ac:grpSpMkLst>
+            <pc:docMk/>
+            <pc:sldMk cId="2909026660" sldId="257"/>
+            <ac:grpSpMk id="2" creationId="{AD69C605-479D-5A47-A1FC-0C8C54649B49}"/>
+          </ac:grpSpMkLst>
+        </pc:grpChg>
+        <pc:grpChg chg="add">
+          <ac:chgData name="Camille Gabriella Wathne" userId="9989f795-af2b-47cf-a099-5ee88ef5a7d7" providerId="ADAL" clId="{518A642C-F23E-4340-997C-EAB02103D75C}" dt="2022-05-02T03:38:59.623" v="350" actId="164"/>
+          <ac:grpSpMkLst>
+            <pc:docMk/>
+            <pc:sldMk cId="2909026660" sldId="257"/>
+            <ac:grpSpMk id="3" creationId="{952022EC-5D84-B042-8785-7840774FBDF6}"/>
+          </ac:grpSpMkLst>
+        </pc:grpChg>
+        <pc:cxnChg chg="mod topLvl">
+          <ac:chgData name="Camille Gabriella Wathne" userId="9989f795-af2b-47cf-a099-5ee88ef5a7d7" providerId="ADAL" clId="{518A642C-F23E-4340-997C-EAB02103D75C}" dt="2022-05-02T03:38:30.616" v="349" actId="208"/>
+          <ac:cxnSpMkLst>
+            <pc:docMk/>
+            <pc:sldMk cId="2909026660" sldId="257"/>
+            <ac:cxnSpMk id="25" creationId="{A844F369-9C96-4743-9445-0232E4E5980F}"/>
+          </ac:cxnSpMkLst>
+        </pc:cxnChg>
+        <pc:cxnChg chg="mod topLvl">
+          <ac:chgData name="Camille Gabriella Wathne" userId="9989f795-af2b-47cf-a099-5ee88ef5a7d7" providerId="ADAL" clId="{518A642C-F23E-4340-997C-EAB02103D75C}" dt="2022-05-02T03:38:30.616" v="349" actId="208"/>
+          <ac:cxnSpMkLst>
+            <pc:docMk/>
+            <pc:sldMk cId="2909026660" sldId="257"/>
+            <ac:cxnSpMk id="28" creationId="{1BED0510-E352-624B-A5F2-80164D36B085}"/>
+          </ac:cxnSpMkLst>
+        </pc:cxnChg>
+        <pc:cxnChg chg="mod topLvl">
+          <ac:chgData name="Camille Gabriella Wathne" userId="9989f795-af2b-47cf-a099-5ee88ef5a7d7" providerId="ADAL" clId="{518A642C-F23E-4340-997C-EAB02103D75C}" dt="2022-05-02T03:38:30.616" v="349" actId="208"/>
+          <ac:cxnSpMkLst>
+            <pc:docMk/>
+            <pc:sldMk cId="2909026660" sldId="257"/>
+            <ac:cxnSpMk id="32" creationId="{8EC21EBA-9401-D34F-A557-8F6581143C97}"/>
+          </ac:cxnSpMkLst>
+        </pc:cxnChg>
+        <pc:cxnChg chg="mod topLvl">
+          <ac:chgData name="Camille Gabriella Wathne" userId="9989f795-af2b-47cf-a099-5ee88ef5a7d7" providerId="ADAL" clId="{518A642C-F23E-4340-997C-EAB02103D75C}" dt="2022-05-02T03:38:30.616" v="349" actId="208"/>
+          <ac:cxnSpMkLst>
+            <pc:docMk/>
+            <pc:sldMk cId="2909026660" sldId="257"/>
+            <ac:cxnSpMk id="51" creationId="{DEF8EFF8-E657-BD43-961E-729F07C88E0C}"/>
+          </ac:cxnSpMkLst>
+        </pc:cxnChg>
+        <pc:cxnChg chg="mod topLvl">
+          <ac:chgData name="Camille Gabriella Wathne" userId="9989f795-af2b-47cf-a099-5ee88ef5a7d7" providerId="ADAL" clId="{518A642C-F23E-4340-997C-EAB02103D75C}" dt="2022-05-02T03:38:30.616" v="349" actId="208"/>
+          <ac:cxnSpMkLst>
+            <pc:docMk/>
+            <pc:sldMk cId="2909026660" sldId="257"/>
+            <ac:cxnSpMk id="56" creationId="{2C848A03-38A7-8B40-B8D4-64070C410AF9}"/>
+          </ac:cxnSpMkLst>
+        </pc:cxnChg>
+      </pc:sldChg>
+    </pc:docChg>
+  </pc:docChgLst>
+</pc:chgInfo>
 </file>
 
 <file path=ppt/slideLayouts/slideLayout1.xml><?xml version="1.0" encoding="utf-8"?>
@@ -238,7 +904,7 @@
           <a:p>
             <a:fld id="{2F372708-59A8-F54E-950C-21DF53330D7A}" type="datetimeFigureOut">
               <a:rPr lang="en-US" smtClean="0"/>
-              <a:t>4/19/22</a:t>
+              <a:t>5/1/22</a:t>
             </a:fld>
             <a:endParaRPr lang="en-US"/>
           </a:p>
@@ -408,7 +1074,7 @@
           <a:p>
             <a:fld id="{2F372708-59A8-F54E-950C-21DF53330D7A}" type="datetimeFigureOut">
               <a:rPr lang="en-US" smtClean="0"/>
-              <a:t>4/19/22</a:t>
+              <a:t>5/1/22</a:t>
             </a:fld>
             <a:endParaRPr lang="en-US"/>
           </a:p>
@@ -588,7 +1254,7 @@
           <a:p>
             <a:fld id="{2F372708-59A8-F54E-950C-21DF53330D7A}" type="datetimeFigureOut">
               <a:rPr lang="en-US" smtClean="0"/>
-              <a:t>4/19/22</a:t>
+              <a:t>5/1/22</a:t>
             </a:fld>
             <a:endParaRPr lang="en-US"/>
           </a:p>
@@ -758,7 +1424,7 @@
           <a:p>
             <a:fld id="{2F372708-59A8-F54E-950C-21DF53330D7A}" type="datetimeFigureOut">
               <a:rPr lang="en-US" smtClean="0"/>
-              <a:t>4/19/22</a:t>
+              <a:t>5/1/22</a:t>
             </a:fld>
             <a:endParaRPr lang="en-US"/>
           </a:p>
@@ -1002,7 +1668,7 @@
           <a:p>
             <a:fld id="{2F372708-59A8-F54E-950C-21DF53330D7A}" type="datetimeFigureOut">
               <a:rPr lang="en-US" smtClean="0"/>
-              <a:t>4/19/22</a:t>
+              <a:t>5/1/22</a:t>
             </a:fld>
             <a:endParaRPr lang="en-US"/>
           </a:p>
@@ -1234,7 +1900,7 @@
           <a:p>
             <a:fld id="{2F372708-59A8-F54E-950C-21DF53330D7A}" type="datetimeFigureOut">
               <a:rPr lang="en-US" smtClean="0"/>
-              <a:t>4/19/22</a:t>
+              <a:t>5/1/22</a:t>
             </a:fld>
             <a:endParaRPr lang="en-US"/>
           </a:p>
@@ -1601,7 +2267,7 @@
           <a:p>
             <a:fld id="{2F372708-59A8-F54E-950C-21DF53330D7A}" type="datetimeFigureOut">
               <a:rPr lang="en-US" smtClean="0"/>
-              <a:t>4/19/22</a:t>
+              <a:t>5/1/22</a:t>
             </a:fld>
             <a:endParaRPr lang="en-US"/>
           </a:p>
@@ -1719,7 +2385,7 @@
           <a:p>
             <a:fld id="{2F372708-59A8-F54E-950C-21DF53330D7A}" type="datetimeFigureOut">
               <a:rPr lang="en-US" smtClean="0"/>
-              <a:t>4/19/22</a:t>
+              <a:t>5/1/22</a:t>
             </a:fld>
             <a:endParaRPr lang="en-US"/>
           </a:p>
@@ -1814,7 +2480,7 @@
           <a:p>
             <a:fld id="{2F372708-59A8-F54E-950C-21DF53330D7A}" type="datetimeFigureOut">
               <a:rPr lang="en-US" smtClean="0"/>
-              <a:t>4/19/22</a:t>
+              <a:t>5/1/22</a:t>
             </a:fld>
             <a:endParaRPr lang="en-US"/>
           </a:p>
@@ -2091,7 +2757,7 @@
           <a:p>
             <a:fld id="{2F372708-59A8-F54E-950C-21DF53330D7A}" type="datetimeFigureOut">
               <a:rPr lang="en-US" smtClean="0"/>
-              <a:t>4/19/22</a:t>
+              <a:t>5/1/22</a:t>
             </a:fld>
             <a:endParaRPr lang="en-US"/>
           </a:p>
@@ -2348,7 +3014,7 @@
           <a:p>
             <a:fld id="{2F372708-59A8-F54E-950C-21DF53330D7A}" type="datetimeFigureOut">
               <a:rPr lang="en-US" smtClean="0"/>
-              <a:t>4/19/22</a:t>
+              <a:t>5/1/22</a:t>
             </a:fld>
             <a:endParaRPr lang="en-US"/>
           </a:p>
@@ -2561,7 +3227,7 @@
           <a:p>
             <a:fld id="{2F372708-59A8-F54E-950C-21DF53330D7A}" type="datetimeFigureOut">
               <a:rPr lang="en-US" smtClean="0"/>
-              <a:t>4/19/22</a:t>
+              <a:t>5/1/22</a:t>
             </a:fld>
             <a:endParaRPr lang="en-US"/>
           </a:p>
@@ -2968,10 +3634,10 @@
       </p:grpSpPr>
       <p:grpSp>
         <p:nvGrpSpPr>
-          <p:cNvPr id="4" name="Group 3">
+          <p:cNvPr id="2" name="Group 1">
             <a:extLst>
               <a:ext uri="{FF2B5EF4-FFF2-40B4-BE49-F238E27FC236}">
-                <a16:creationId xmlns:a16="http://schemas.microsoft.com/office/drawing/2014/main" id="{3E6C4804-7DE8-174C-806A-BE3D338573A6}"/>
+                <a16:creationId xmlns:a16="http://schemas.microsoft.com/office/drawing/2014/main" id="{AD69C605-479D-5A47-A1FC-0C8C54649B49}"/>
               </a:ext>
             </a:extLst>
           </p:cNvPr>
@@ -2980,10 +3646,10 @@
         </p:nvGrpSpPr>
         <p:grpSpPr>
           <a:xfrm>
-            <a:off x="548597" y="427399"/>
-            <a:ext cx="8961205" cy="6437252"/>
-            <a:chOff x="1558100" y="226427"/>
-            <a:chExt cx="8961205" cy="6437252"/>
+            <a:off x="509567" y="444861"/>
+            <a:ext cx="9214568" cy="6625465"/>
+            <a:chOff x="509567" y="444861"/>
+            <a:chExt cx="9214568" cy="6625465"/>
           </a:xfrm>
         </p:grpSpPr>
         <p:sp>
@@ -3000,7 +3666,7 @@
           </p:nvSpPr>
           <p:spPr>
             <a:xfrm>
-              <a:off x="1817036" y="1125020"/>
+              <a:off x="768503" y="981338"/>
               <a:ext cx="2352118" cy="2354221"/>
             </a:xfrm>
             <a:prstGeom prst="ellipse">
@@ -3054,7 +3720,7 @@
           </p:nvSpPr>
           <p:spPr>
             <a:xfrm>
-              <a:off x="6126145" y="650898"/>
+              <a:off x="5330975" y="869332"/>
               <a:ext cx="4139354" cy="4143055"/>
             </a:xfrm>
             <a:prstGeom prst="ellipse">
@@ -3108,7 +3774,7 @@
           </p:nvSpPr>
           <p:spPr>
             <a:xfrm>
-              <a:off x="6547610" y="5216053"/>
+              <a:off x="6094410" y="5568299"/>
               <a:ext cx="1072677" cy="1073636"/>
             </a:xfrm>
             <a:prstGeom prst="ellipse">
@@ -3162,7 +3828,7 @@
           </p:nvSpPr>
           <p:spPr>
             <a:xfrm>
-              <a:off x="3339333" y="5076597"/>
+              <a:off x="3500902" y="4041345"/>
               <a:ext cx="1178274" cy="1179327"/>
             </a:xfrm>
             <a:prstGeom prst="ellipse">
@@ -3216,7 +3882,7 @@
           </p:nvSpPr>
           <p:spPr>
             <a:xfrm>
-              <a:off x="2513008" y="2792401"/>
+              <a:off x="2047663" y="2382826"/>
               <a:ext cx="1178274" cy="1179327"/>
             </a:xfrm>
             <a:prstGeom prst="ellipse">
@@ -3275,7 +3941,7 @@
           </p:nvSpPr>
           <p:spPr>
             <a:xfrm>
-              <a:off x="2934189" y="4839353"/>
+              <a:off x="3130312" y="3749132"/>
               <a:ext cx="1178274" cy="1179327"/>
             </a:xfrm>
             <a:prstGeom prst="ellipse">
@@ -3314,46 +3980,9 @@
             <a:lstStyle/>
             <a:p>
               <a:pPr algn="ctr"/>
-              <a:endParaRPr lang="en-US" sz="1400">
+              <a:endParaRPr lang="en-US" sz="1400" dirty="0">
                 <a:latin typeface="Gill Sans MT" panose="020B0502020104020203" pitchFamily="34" charset="77"/>
               </a:endParaRPr>
-            </a:p>
-          </p:txBody>
-        </p:sp>
-        <p:sp>
-          <p:nvSpPr>
-            <p:cNvPr id="11" name="TextBox 10">
-              <a:extLst>
-                <a:ext uri="{FF2B5EF4-FFF2-40B4-BE49-F238E27FC236}">
-                  <a16:creationId xmlns:a16="http://schemas.microsoft.com/office/drawing/2014/main" id="{5FD56E1A-C171-B945-B71C-187EAEB720B7}"/>
-                </a:ext>
-              </a:extLst>
-            </p:cNvPr>
-            <p:cNvSpPr txBox="1"/>
-            <p:nvPr/>
-          </p:nvSpPr>
-          <p:spPr>
-            <a:xfrm>
-              <a:off x="2145404" y="4232377"/>
-              <a:ext cx="1110369" cy="307777"/>
-            </a:xfrm>
-            <a:prstGeom prst="rect">
-              <a:avLst/>
-            </a:prstGeom>
-            <a:noFill/>
-          </p:spPr>
-          <p:txBody>
-            <a:bodyPr wrap="none" rtlCol="0">
-              <a:spAutoFit/>
-            </a:bodyPr>
-            <a:lstStyle/>
-            <a:p>
-              <a:r>
-                <a:rPr lang="en-US" sz="1400" dirty="0">
-                  <a:latin typeface="Gill Sans MT" panose="020B0502020104020203" pitchFamily="34" charset="77"/>
-                </a:rPr>
-                <a:t>Overlap: 664</a:t>
-              </a:r>
             </a:p>
           </p:txBody>
         </p:sp>
@@ -3371,7 +4000,7 @@
           </p:nvSpPr>
           <p:spPr>
             <a:xfrm>
-              <a:off x="6922624" y="3918469"/>
+              <a:off x="6127454" y="4203163"/>
               <a:ext cx="1148173" cy="1149199"/>
             </a:xfrm>
             <a:prstGeom prst="ellipse">
@@ -3430,7 +4059,7 @@
           </p:nvSpPr>
           <p:spPr>
             <a:xfrm>
-              <a:off x="6360113" y="4739170"/>
+              <a:off x="5906913" y="5091416"/>
               <a:ext cx="1148173" cy="1149199"/>
             </a:xfrm>
             <a:prstGeom prst="ellipse">
@@ -3491,7 +4120,7 @@
           </p:nvSpPr>
           <p:spPr>
             <a:xfrm>
-              <a:off x="6283754" y="4942179"/>
+              <a:off x="5835945" y="5302239"/>
               <a:ext cx="1612144" cy="1617662"/>
             </a:xfrm>
             <a:prstGeom prst="ellipse">
@@ -3545,7 +4174,7 @@
           </p:nvSpPr>
           <p:spPr>
             <a:xfrm>
-              <a:off x="5994236" y="6325125"/>
+              <a:off x="5541036" y="6677371"/>
               <a:ext cx="2088136" cy="338554"/>
             </a:xfrm>
             <a:prstGeom prst="rect">
@@ -3582,7 +4211,7 @@
           </p:nvSpPr>
           <p:spPr>
             <a:xfrm>
-              <a:off x="4119961" y="5200101"/>
+              <a:off x="4281530" y="4231109"/>
               <a:ext cx="757992" cy="758669"/>
             </a:xfrm>
             <a:prstGeom prst="ellipse">
@@ -3629,97 +4258,6 @@
         </p:sp>
         <p:sp>
           <p:nvSpPr>
-            <p:cNvPr id="17" name="Oval 16">
-              <a:extLst>
-                <a:ext uri="{FF2B5EF4-FFF2-40B4-BE49-F238E27FC236}">
-                  <a16:creationId xmlns:a16="http://schemas.microsoft.com/office/drawing/2014/main" id="{00F7E28C-33C6-6B4A-8667-5788AA1957EA}"/>
-                </a:ext>
-              </a:extLst>
-            </p:cNvPr>
-            <p:cNvSpPr/>
-            <p:nvPr/>
-          </p:nvSpPr>
-          <p:spPr>
-            <a:xfrm>
-              <a:off x="3112195" y="4832807"/>
-              <a:ext cx="1661218" cy="1666904"/>
-            </a:xfrm>
-            <a:prstGeom prst="ellipse">
-              <a:avLst/>
-            </a:prstGeom>
-            <a:noFill/>
-            <a:ln w="508000">
-              <a:solidFill>
-                <a:schemeClr val="bg1"/>
-              </a:solidFill>
-            </a:ln>
-          </p:spPr>
-          <p:style>
-            <a:lnRef idx="2">
-              <a:schemeClr val="accent1">
-                <a:shade val="50000"/>
-              </a:schemeClr>
-            </a:lnRef>
-            <a:fillRef idx="1">
-              <a:schemeClr val="accent1"/>
-            </a:fillRef>
-            <a:effectRef idx="0">
-              <a:schemeClr val="accent1"/>
-            </a:effectRef>
-            <a:fontRef idx="minor">
-              <a:schemeClr val="lt1"/>
-            </a:fontRef>
-          </p:style>
-          <p:txBody>
-            <a:bodyPr rtlCol="0" anchor="ctr"/>
-            <a:lstStyle/>
-            <a:p>
-              <a:pPr algn="ctr"/>
-              <a:endParaRPr lang="en-US" sz="1400">
-                <a:latin typeface="Gill Sans MT" panose="020B0502020104020203" pitchFamily="34" charset="77"/>
-              </a:endParaRPr>
-            </a:p>
-          </p:txBody>
-        </p:sp>
-        <p:sp>
-          <p:nvSpPr>
-            <p:cNvPr id="18" name="TextBox 17">
-              <a:extLst>
-                <a:ext uri="{FF2B5EF4-FFF2-40B4-BE49-F238E27FC236}">
-                  <a16:creationId xmlns:a16="http://schemas.microsoft.com/office/drawing/2014/main" id="{650E5AD0-BF46-B646-89FB-5C750A1B3A37}"/>
-                </a:ext>
-              </a:extLst>
-            </p:cNvPr>
-            <p:cNvSpPr txBox="1"/>
-            <p:nvPr/>
-          </p:nvSpPr>
-          <p:spPr>
-            <a:xfrm>
-              <a:off x="3202381" y="6320922"/>
-              <a:ext cx="1515479" cy="338554"/>
-            </a:xfrm>
-            <a:prstGeom prst="rect">
-              <a:avLst/>
-            </a:prstGeom>
-            <a:noFill/>
-          </p:spPr>
-          <p:txBody>
-            <a:bodyPr wrap="none" rtlCol="0">
-              <a:spAutoFit/>
-            </a:bodyPr>
-            <a:lstStyle/>
-            <a:p>
-              <a:r>
-                <a:rPr lang="en-US" sz="1600" dirty="0">
-                  <a:latin typeface="Gill Sans MT" panose="020B0502020104020203" pitchFamily="34" charset="77"/>
-                </a:rPr>
-                <a:t>Open Bid: 1,229</a:t>
-              </a:r>
-            </a:p>
-          </p:txBody>
-        </p:sp>
-        <p:sp>
-          <p:nvSpPr>
             <p:cNvPr id="19" name="Oval 18">
               <a:extLst>
                 <a:ext uri="{FF2B5EF4-FFF2-40B4-BE49-F238E27FC236}">
@@ -3732,7 +4270,7 @@
           </p:nvSpPr>
           <p:spPr>
             <a:xfrm>
-              <a:off x="6071359" y="3341052"/>
+              <a:off x="5276189" y="3559486"/>
               <a:ext cx="757992" cy="758669"/>
             </a:xfrm>
             <a:prstGeom prst="ellipse">
@@ -3779,161 +4317,6 @@
         </p:sp>
         <p:sp>
           <p:nvSpPr>
-            <p:cNvPr id="20" name="Oval 19">
-              <a:extLst>
-                <a:ext uri="{FF2B5EF4-FFF2-40B4-BE49-F238E27FC236}">
-                  <a16:creationId xmlns:a16="http://schemas.microsoft.com/office/drawing/2014/main" id="{1363D343-8DE2-354F-A0AD-901A8415E3AF}"/>
-                </a:ext>
-              </a:extLst>
-            </p:cNvPr>
-            <p:cNvSpPr/>
-            <p:nvPr/>
-          </p:nvSpPr>
-          <p:spPr>
-            <a:xfrm>
-              <a:off x="6065214" y="2196877"/>
-              <a:ext cx="239021" cy="239235"/>
-            </a:xfrm>
-            <a:prstGeom prst="ellipse">
-              <a:avLst/>
-            </a:prstGeom>
-            <a:pattFill prst="wdUpDiag">
-              <a:fgClr>
-                <a:srgbClr val="31A2FF"/>
-              </a:fgClr>
-              <a:bgClr>
-                <a:srgbClr val="5F71CE"/>
-              </a:bgClr>
-            </a:pattFill>
-            <a:ln>
-              <a:noFill/>
-            </a:ln>
-          </p:spPr>
-          <p:style>
-            <a:lnRef idx="2">
-              <a:schemeClr val="accent1">
-                <a:shade val="50000"/>
-              </a:schemeClr>
-            </a:lnRef>
-            <a:fillRef idx="1">
-              <a:schemeClr val="accent1"/>
-            </a:fillRef>
-            <a:effectRef idx="0">
-              <a:schemeClr val="accent1"/>
-            </a:effectRef>
-            <a:fontRef idx="minor">
-              <a:schemeClr val="lt1"/>
-            </a:fontRef>
-          </p:style>
-          <p:txBody>
-            <a:bodyPr rtlCol="0" anchor="ctr"/>
-            <a:lstStyle/>
-            <a:p>
-              <a:pPr algn="ctr"/>
-              <a:endParaRPr lang="en-US" sz="1400">
-                <a:latin typeface="Gill Sans MT" panose="020B0502020104020203" pitchFamily="34" charset="77"/>
-              </a:endParaRPr>
-            </a:p>
-          </p:txBody>
-        </p:sp>
-        <p:sp>
-          <p:nvSpPr>
-            <p:cNvPr id="21" name="TextBox 20">
-              <a:extLst>
-                <a:ext uri="{FF2B5EF4-FFF2-40B4-BE49-F238E27FC236}">
-                  <a16:creationId xmlns:a16="http://schemas.microsoft.com/office/drawing/2014/main" id="{0071BAB2-836A-9E47-8CDA-2AACE4F159EC}"/>
-                </a:ext>
-              </a:extLst>
-            </p:cNvPr>
-            <p:cNvSpPr txBox="1"/>
-            <p:nvPr/>
-          </p:nvSpPr>
-          <p:spPr>
-            <a:xfrm>
-              <a:off x="4675843" y="2343682"/>
-              <a:ext cx="1020600" cy="307777"/>
-            </a:xfrm>
-            <a:prstGeom prst="rect">
-              <a:avLst/>
-            </a:prstGeom>
-            <a:noFill/>
-          </p:spPr>
-          <p:txBody>
-            <a:bodyPr wrap="none" rtlCol="0">
-              <a:spAutoFit/>
-            </a:bodyPr>
-            <a:lstStyle/>
-            <a:p>
-              <a:r>
-                <a:rPr lang="en-US" sz="1400" dirty="0">
-                  <a:latin typeface="Gill Sans MT" panose="020B0502020104020203" pitchFamily="34" charset="77"/>
-                </a:rPr>
-                <a:t>Overlap: 29</a:t>
-              </a:r>
-            </a:p>
-          </p:txBody>
-        </p:sp>
-        <p:sp>
-          <p:nvSpPr>
-            <p:cNvPr id="22" name="Oval 21">
-              <a:extLst>
-                <a:ext uri="{FF2B5EF4-FFF2-40B4-BE49-F238E27FC236}">
-                  <a16:creationId xmlns:a16="http://schemas.microsoft.com/office/drawing/2014/main" id="{0CBDA984-05AD-ED4E-9B47-DFBC096FAF48}"/>
-                </a:ext>
-              </a:extLst>
-            </p:cNvPr>
-            <p:cNvSpPr/>
-            <p:nvPr/>
-          </p:nvSpPr>
-          <p:spPr>
-            <a:xfrm>
-              <a:off x="4034184" y="2196877"/>
-              <a:ext cx="239021" cy="239235"/>
-            </a:xfrm>
-            <a:prstGeom prst="ellipse">
-              <a:avLst/>
-            </a:prstGeom>
-            <a:pattFill prst="wdUpDiag">
-              <a:fgClr>
-                <a:srgbClr val="31A2FF"/>
-              </a:fgClr>
-              <a:bgClr>
-                <a:srgbClr val="5F71CE"/>
-              </a:bgClr>
-            </a:pattFill>
-            <a:ln>
-              <a:noFill/>
-            </a:ln>
-          </p:spPr>
-          <p:style>
-            <a:lnRef idx="2">
-              <a:schemeClr val="accent1">
-                <a:shade val="50000"/>
-              </a:schemeClr>
-            </a:lnRef>
-            <a:fillRef idx="1">
-              <a:schemeClr val="accent1"/>
-            </a:fillRef>
-            <a:effectRef idx="0">
-              <a:schemeClr val="accent1"/>
-            </a:effectRef>
-            <a:fontRef idx="minor">
-              <a:schemeClr val="lt1"/>
-            </a:fontRef>
-          </p:style>
-          <p:txBody>
-            <a:bodyPr rtlCol="0" anchor="ctr"/>
-            <a:lstStyle/>
-            <a:p>
-              <a:pPr algn="ctr"/>
-              <a:endParaRPr lang="en-US" sz="1400">
-                <a:latin typeface="Gill Sans MT" panose="020B0502020104020203" pitchFamily="34" charset="77"/>
-              </a:endParaRPr>
-            </a:p>
-          </p:txBody>
-        </p:sp>
-        <p:sp>
-          <p:nvSpPr>
             <p:cNvPr id="23" name="Oval 22">
               <a:extLst>
                 <a:ext uri="{FF2B5EF4-FFF2-40B4-BE49-F238E27FC236}">
@@ -3946,7 +4329,7 @@
           </p:nvSpPr>
           <p:spPr>
             <a:xfrm>
-              <a:off x="5872338" y="374162"/>
+              <a:off x="5077168" y="592596"/>
               <a:ext cx="4646967" cy="4662873"/>
             </a:xfrm>
             <a:prstGeom prst="ellipse">
@@ -3988,88 +4371,6 @@
         </p:sp>
         <p:sp>
           <p:nvSpPr>
-            <p:cNvPr id="24" name="TextBox 23">
-              <a:extLst>
-                <a:ext uri="{FF2B5EF4-FFF2-40B4-BE49-F238E27FC236}">
-                  <a16:creationId xmlns:a16="http://schemas.microsoft.com/office/drawing/2014/main" id="{9EC28620-DA3A-B844-A3B1-117E3A9AF97E}"/>
-                </a:ext>
-              </a:extLst>
-            </p:cNvPr>
-            <p:cNvSpPr txBox="1"/>
-            <p:nvPr/>
-          </p:nvSpPr>
-          <p:spPr>
-            <a:xfrm>
-              <a:off x="5257069" y="4729325"/>
-              <a:ext cx="1110369" cy="307777"/>
-            </a:xfrm>
-            <a:prstGeom prst="rect">
-              <a:avLst/>
-            </a:prstGeom>
-            <a:noFill/>
-          </p:spPr>
-          <p:txBody>
-            <a:bodyPr wrap="none" rtlCol="0">
-              <a:spAutoFit/>
-            </a:bodyPr>
-            <a:lstStyle/>
-            <a:p>
-              <a:r>
-                <a:rPr lang="en-US" sz="1400" dirty="0">
-                  <a:latin typeface="Gill Sans MT" panose="020B0502020104020203" pitchFamily="34" charset="77"/>
-                </a:rPr>
-                <a:t>Overlap: 251</a:t>
-              </a:r>
-            </a:p>
-          </p:txBody>
-        </p:sp>
-        <p:cxnSp>
-          <p:nvCxnSpPr>
-            <p:cNvPr id="25" name="Straight Arrow Connector 24">
-              <a:extLst>
-                <a:ext uri="{FF2B5EF4-FFF2-40B4-BE49-F238E27FC236}">
-                  <a16:creationId xmlns:a16="http://schemas.microsoft.com/office/drawing/2014/main" id="{A844F369-9C96-4743-9445-0232E4E5980F}"/>
-                </a:ext>
-              </a:extLst>
-            </p:cNvPr>
-            <p:cNvCxnSpPr>
-              <a:cxnSpLocks/>
-            </p:cNvCxnSpPr>
-            <p:nvPr/>
-          </p:nvCxnSpPr>
-          <p:spPr>
-            <a:xfrm flipH="1">
-              <a:off x="4603070" y="3821723"/>
-              <a:ext cx="1715863" cy="1492046"/>
-            </a:xfrm>
-            <a:prstGeom prst="straightConnector1">
-              <a:avLst/>
-            </a:prstGeom>
-            <a:ln w="28575">
-              <a:solidFill>
-                <a:schemeClr val="tx1"/>
-              </a:solidFill>
-              <a:headEnd type="triangle"/>
-              <a:tailEnd type="triangle"/>
-            </a:ln>
-          </p:spPr>
-          <p:style>
-            <a:lnRef idx="1">
-              <a:schemeClr val="accent1"/>
-            </a:lnRef>
-            <a:fillRef idx="0">
-              <a:schemeClr val="accent1"/>
-            </a:fillRef>
-            <a:effectRef idx="0">
-              <a:schemeClr val="accent1"/>
-            </a:effectRef>
-            <a:fontRef idx="minor">
-              <a:schemeClr val="tx1"/>
-            </a:fontRef>
-          </p:style>
-        </p:cxnSp>
-        <p:sp>
-          <p:nvSpPr>
             <p:cNvPr id="26" name="TextBox 25">
               <a:extLst>
                 <a:ext uri="{FF2B5EF4-FFF2-40B4-BE49-F238E27FC236}">
@@ -4082,7 +4383,7 @@
           </p:nvSpPr>
           <p:spPr>
             <a:xfrm>
-              <a:off x="7297586" y="226427"/>
+              <a:off x="6502416" y="444861"/>
               <a:ext cx="1887248" cy="338554"/>
             </a:xfrm>
             <a:prstGeom prst="rect">
@@ -4119,8 +4420,8 @@
           </p:nvSpPr>
           <p:spPr>
             <a:xfrm>
-              <a:off x="7265449" y="4814218"/>
-              <a:ext cx="1110369" cy="307777"/>
+              <a:off x="6644388" y="5127317"/>
+              <a:ext cx="1051570" cy="307777"/>
             </a:xfrm>
             <a:prstGeom prst="rect">
               <a:avLst/>
@@ -4134,10 +4435,16 @@
             <a:lstStyle/>
             <a:p>
               <a:r>
+                <a:rPr lang="en-US" sz="1400" i="1" dirty="0">
+                  <a:latin typeface="Gill Sans MT" panose="020B0502020104020203" pitchFamily="34" charset="77"/>
+                </a:rPr>
+                <a:t>Overlap</a:t>
+              </a:r>
+              <a:r>
                 <a:rPr lang="en-US" sz="1400" dirty="0">
                   <a:latin typeface="Gill Sans MT" panose="020B0502020104020203" pitchFamily="34" charset="77"/>
                 </a:rPr>
-                <a:t>Overlap: 697</a:t>
+                <a:t>: 697</a:t>
               </a:r>
             </a:p>
           </p:txBody>
@@ -4158,8 +4465,8 @@
           </p:nvCxnSpPr>
           <p:spPr>
             <a:xfrm flipH="1">
-              <a:off x="7188964" y="4694944"/>
-              <a:ext cx="217247" cy="449218"/>
+              <a:off x="6611488" y="4945165"/>
+              <a:ext cx="37763" cy="535765"/>
             </a:xfrm>
             <a:prstGeom prst="straightConnector1">
               <a:avLst/>
@@ -4189,6 +4496,296 @@
         </p:cxnSp>
         <p:sp>
           <p:nvSpPr>
+            <p:cNvPr id="33" name="Oval 32">
+              <a:extLst>
+                <a:ext uri="{FF2B5EF4-FFF2-40B4-BE49-F238E27FC236}">
+                  <a16:creationId xmlns:a16="http://schemas.microsoft.com/office/drawing/2014/main" id="{1399ADB9-C747-B643-AB61-1061F7D6E50D}"/>
+                </a:ext>
+              </a:extLst>
+            </p:cNvPr>
+            <p:cNvSpPr/>
+            <p:nvPr/>
+          </p:nvSpPr>
+          <p:spPr>
+            <a:xfrm>
+              <a:off x="885666" y="4712085"/>
+              <a:ext cx="2017883" cy="2019687"/>
+            </a:xfrm>
+            <a:prstGeom prst="ellipse">
+              <a:avLst/>
+            </a:prstGeom>
+            <a:solidFill>
+              <a:srgbClr val="FCD079"/>
+            </a:solidFill>
+            <a:ln>
+              <a:noFill/>
+            </a:ln>
+          </p:spPr>
+          <p:style>
+            <a:lnRef idx="2">
+              <a:schemeClr val="accent1">
+                <a:shade val="50000"/>
+              </a:schemeClr>
+            </a:lnRef>
+            <a:fillRef idx="1">
+              <a:schemeClr val="accent1"/>
+            </a:fillRef>
+            <a:effectRef idx="0">
+              <a:schemeClr val="accent1"/>
+            </a:effectRef>
+            <a:fontRef idx="minor">
+              <a:schemeClr val="lt1"/>
+            </a:fontRef>
+          </p:style>
+          <p:txBody>
+            <a:bodyPr rtlCol="0" anchor="ctr"/>
+            <a:lstStyle/>
+            <a:p>
+              <a:pPr algn="ctr"/>
+              <a:endParaRPr lang="en-US" sz="1400">
+                <a:latin typeface="Gill Sans MT" panose="020B0502020104020203" pitchFamily="34" charset="77"/>
+              </a:endParaRPr>
+            </a:p>
+          </p:txBody>
+        </p:sp>
+        <p:sp>
+          <p:nvSpPr>
+            <p:cNvPr id="44" name="Oval 43">
+              <a:extLst>
+                <a:ext uri="{FF2B5EF4-FFF2-40B4-BE49-F238E27FC236}">
+                  <a16:creationId xmlns:a16="http://schemas.microsoft.com/office/drawing/2014/main" id="{51CE3816-6198-D942-A7FB-924A939EB67D}"/>
+                </a:ext>
+              </a:extLst>
+            </p:cNvPr>
+            <p:cNvSpPr/>
+            <p:nvPr/>
+          </p:nvSpPr>
+          <p:spPr>
+            <a:xfrm>
+              <a:off x="1017185" y="4421475"/>
+              <a:ext cx="931223" cy="932055"/>
+            </a:xfrm>
+            <a:prstGeom prst="ellipse">
+              <a:avLst/>
+            </a:prstGeom>
+            <a:pattFill prst="wdUpDiag">
+              <a:fgClr>
+                <a:srgbClr val="FCE4A9"/>
+              </a:fgClr>
+              <a:bgClr>
+                <a:srgbClr val="00B0F0"/>
+              </a:bgClr>
+            </a:pattFill>
+            <a:ln>
+              <a:noFill/>
+            </a:ln>
+          </p:spPr>
+          <p:style>
+            <a:lnRef idx="2">
+              <a:schemeClr val="accent1">
+                <a:shade val="50000"/>
+              </a:schemeClr>
+            </a:lnRef>
+            <a:fillRef idx="1">
+              <a:schemeClr val="accent1"/>
+            </a:fillRef>
+            <a:effectRef idx="0">
+              <a:schemeClr val="accent1"/>
+            </a:effectRef>
+            <a:fontRef idx="minor">
+              <a:schemeClr val="lt1"/>
+            </a:fontRef>
+          </p:style>
+          <p:txBody>
+            <a:bodyPr rtlCol="0" anchor="ctr"/>
+            <a:lstStyle/>
+            <a:p>
+              <a:pPr algn="ctr"/>
+              <a:endParaRPr lang="en-US" sz="1400">
+                <a:latin typeface="Gill Sans MT" panose="020B0502020104020203" pitchFamily="34" charset="77"/>
+              </a:endParaRPr>
+            </a:p>
+          </p:txBody>
+        </p:sp>
+        <p:sp>
+          <p:nvSpPr>
+            <p:cNvPr id="45" name="Oval 44">
+              <a:extLst>
+                <a:ext uri="{FF2B5EF4-FFF2-40B4-BE49-F238E27FC236}">
+                  <a16:creationId xmlns:a16="http://schemas.microsoft.com/office/drawing/2014/main" id="{EDAC7E8E-F912-1C45-B88D-F19AA5EDFF49}"/>
+                </a:ext>
+              </a:extLst>
+            </p:cNvPr>
+            <p:cNvSpPr/>
+            <p:nvPr/>
+          </p:nvSpPr>
+          <p:spPr>
+            <a:xfrm>
+              <a:off x="876629" y="2606752"/>
+              <a:ext cx="931223" cy="932055"/>
+            </a:xfrm>
+            <a:prstGeom prst="ellipse">
+              <a:avLst/>
+            </a:prstGeom>
+            <a:pattFill prst="wdUpDiag">
+              <a:fgClr>
+                <a:srgbClr val="FCE4A9"/>
+              </a:fgClr>
+              <a:bgClr>
+                <a:srgbClr val="00B0F0"/>
+              </a:bgClr>
+            </a:pattFill>
+            <a:ln>
+              <a:noFill/>
+            </a:ln>
+          </p:spPr>
+          <p:style>
+            <a:lnRef idx="2">
+              <a:schemeClr val="accent1">
+                <a:shade val="50000"/>
+              </a:schemeClr>
+            </a:lnRef>
+            <a:fillRef idx="1">
+              <a:schemeClr val="accent1"/>
+            </a:fillRef>
+            <a:effectRef idx="0">
+              <a:schemeClr val="accent1"/>
+            </a:effectRef>
+            <a:fontRef idx="minor">
+              <a:schemeClr val="lt1"/>
+            </a:fontRef>
+          </p:style>
+          <p:txBody>
+            <a:bodyPr rtlCol="0" anchor="ctr"/>
+            <a:lstStyle/>
+            <a:p>
+              <a:pPr algn="ctr"/>
+              <a:endParaRPr lang="en-US" sz="1400">
+                <a:latin typeface="Gill Sans MT" panose="020B0502020104020203" pitchFamily="34" charset="77"/>
+              </a:endParaRPr>
+            </a:p>
+          </p:txBody>
+        </p:sp>
+        <p:sp>
+          <p:nvSpPr>
+            <p:cNvPr id="48" name="Oval 47">
+              <a:extLst>
+                <a:ext uri="{FF2B5EF4-FFF2-40B4-BE49-F238E27FC236}">
+                  <a16:creationId xmlns:a16="http://schemas.microsoft.com/office/drawing/2014/main" id="{8487AA55-8492-D544-B5DD-BD9D7884D411}"/>
+                </a:ext>
+              </a:extLst>
+            </p:cNvPr>
+            <p:cNvSpPr/>
+            <p:nvPr/>
+          </p:nvSpPr>
+          <p:spPr>
+            <a:xfrm>
+              <a:off x="2571293" y="5447835"/>
+              <a:ext cx="574542" cy="575055"/>
+            </a:xfrm>
+            <a:prstGeom prst="ellipse">
+              <a:avLst/>
+            </a:prstGeom>
+            <a:pattFill prst="wdUpDiag">
+              <a:fgClr>
+                <a:srgbClr val="FCD079"/>
+              </a:fgClr>
+              <a:bgClr>
+                <a:srgbClr val="CCFCF2"/>
+              </a:bgClr>
+            </a:pattFill>
+            <a:ln>
+              <a:noFill/>
+            </a:ln>
+          </p:spPr>
+          <p:style>
+            <a:lnRef idx="2">
+              <a:schemeClr val="accent1">
+                <a:shade val="50000"/>
+              </a:schemeClr>
+            </a:lnRef>
+            <a:fillRef idx="1">
+              <a:schemeClr val="accent1"/>
+            </a:fillRef>
+            <a:effectRef idx="0">
+              <a:schemeClr val="accent1"/>
+            </a:effectRef>
+            <a:fontRef idx="minor">
+              <a:schemeClr val="lt1"/>
+            </a:fontRef>
+          </p:style>
+          <p:txBody>
+            <a:bodyPr rtlCol="0" anchor="ctr"/>
+            <a:lstStyle/>
+            <a:p>
+              <a:pPr algn="ctr"/>
+              <a:endParaRPr lang="en-US" sz="1400">
+                <a:latin typeface="Gill Sans MT" panose="020B0502020104020203" pitchFamily="34" charset="77"/>
+              </a:endParaRPr>
+            </a:p>
+          </p:txBody>
+        </p:sp>
+        <p:sp>
+          <p:nvSpPr>
+            <p:cNvPr id="49" name="Oval 48">
+              <a:extLst>
+                <a:ext uri="{FF2B5EF4-FFF2-40B4-BE49-F238E27FC236}">
+                  <a16:creationId xmlns:a16="http://schemas.microsoft.com/office/drawing/2014/main" id="{6E0A1FEA-06FC-6448-880A-55565AECDD84}"/>
+                </a:ext>
+              </a:extLst>
+            </p:cNvPr>
+            <p:cNvSpPr/>
+            <p:nvPr/>
+          </p:nvSpPr>
+          <p:spPr>
+            <a:xfrm>
+              <a:off x="3783636" y="4885887"/>
+              <a:ext cx="574542" cy="575055"/>
+            </a:xfrm>
+            <a:prstGeom prst="ellipse">
+              <a:avLst/>
+            </a:prstGeom>
+            <a:pattFill prst="wdUpDiag">
+              <a:fgClr>
+                <a:srgbClr val="CCFCF2"/>
+              </a:fgClr>
+              <a:bgClr>
+                <a:srgbClr val="FCD079"/>
+              </a:bgClr>
+            </a:pattFill>
+            <a:ln>
+              <a:noFill/>
+            </a:ln>
+          </p:spPr>
+          <p:style>
+            <a:lnRef idx="2">
+              <a:schemeClr val="accent1">
+                <a:shade val="50000"/>
+              </a:schemeClr>
+            </a:lnRef>
+            <a:fillRef idx="1">
+              <a:schemeClr val="accent1"/>
+            </a:fillRef>
+            <a:effectRef idx="0">
+              <a:schemeClr val="accent1"/>
+            </a:effectRef>
+            <a:fontRef idx="minor">
+              <a:schemeClr val="lt1"/>
+            </a:fontRef>
+          </p:style>
+          <p:txBody>
+            <a:bodyPr rtlCol="0" anchor="ctr"/>
+            <a:lstStyle/>
+            <a:p>
+              <a:pPr algn="ctr"/>
+              <a:endParaRPr lang="en-US" sz="1400">
+                <a:latin typeface="Gill Sans MT" panose="020B0502020104020203" pitchFamily="34" charset="77"/>
+              </a:endParaRPr>
+            </a:p>
+          </p:txBody>
+        </p:sp>
+        <p:sp>
+          <p:nvSpPr>
             <p:cNvPr id="29" name="Oval 28">
               <a:extLst>
                 <a:ext uri="{FF2B5EF4-FFF2-40B4-BE49-F238E27FC236}">
@@ -4201,7 +4798,7 @@
           </p:nvSpPr>
           <p:spPr>
             <a:xfrm>
-              <a:off x="1558100" y="870700"/>
+              <a:off x="509567" y="727018"/>
               <a:ext cx="2859027" cy="2868813"/>
             </a:xfrm>
             <a:prstGeom prst="ellipse">
@@ -4255,8 +4852,8 @@
           </p:nvSpPr>
           <p:spPr>
             <a:xfrm>
-              <a:off x="2176279" y="674460"/>
-              <a:ext cx="1693412" cy="338554"/>
+              <a:off x="840702" y="530778"/>
+              <a:ext cx="2196755" cy="338554"/>
             </a:xfrm>
             <a:prstGeom prst="rect">
               <a:avLst/>
@@ -4273,17 +4870,206 @@
                 <a:rPr lang="en-US" sz="1600" dirty="0">
                   <a:latin typeface="Gill Sans MT" panose="020B0502020104020203" pitchFamily="34" charset="77"/>
                 </a:rPr>
-                <a:t>Total Adopt: 4,843</a:t>
+                <a:t>Total Adopt-a-Lot: 4,843</a:t>
+              </a:r>
+            </a:p>
+          </p:txBody>
+        </p:sp>
+        <p:sp>
+          <p:nvSpPr>
+            <p:cNvPr id="50" name="Oval 49">
+              <a:extLst>
+                <a:ext uri="{FF2B5EF4-FFF2-40B4-BE49-F238E27FC236}">
+                  <a16:creationId xmlns:a16="http://schemas.microsoft.com/office/drawing/2014/main" id="{8436CC6B-FFCD-574B-A15B-4DB47EF5426F}"/>
+                </a:ext>
+              </a:extLst>
+            </p:cNvPr>
+            <p:cNvSpPr/>
+            <p:nvPr/>
+          </p:nvSpPr>
+          <p:spPr>
+            <a:xfrm>
+              <a:off x="645627" y="4462846"/>
+              <a:ext cx="2495898" cy="2504441"/>
+            </a:xfrm>
+            <a:prstGeom prst="ellipse">
+              <a:avLst/>
+            </a:prstGeom>
+            <a:noFill/>
+            <a:ln w="508000">
+              <a:solidFill>
+                <a:schemeClr val="bg1"/>
+              </a:solidFill>
+            </a:ln>
+          </p:spPr>
+          <p:style>
+            <a:lnRef idx="2">
+              <a:schemeClr val="accent1">
+                <a:shade val="50000"/>
+              </a:schemeClr>
+            </a:lnRef>
+            <a:fillRef idx="1">
+              <a:schemeClr val="accent1"/>
+            </a:fillRef>
+            <a:effectRef idx="0">
+              <a:schemeClr val="accent1"/>
+            </a:effectRef>
+            <a:fontRef idx="minor">
+              <a:schemeClr val="lt1"/>
+            </a:fontRef>
+          </p:style>
+          <p:txBody>
+            <a:bodyPr rtlCol="0" anchor="ctr"/>
+            <a:lstStyle/>
+            <a:p>
+              <a:pPr algn="ctr"/>
+              <a:endParaRPr lang="en-US" sz="1400">
+                <a:latin typeface="Gill Sans MT" panose="020B0502020104020203" pitchFamily="34" charset="77"/>
+              </a:endParaRPr>
+            </a:p>
+          </p:txBody>
+        </p:sp>
+        <p:sp>
+          <p:nvSpPr>
+            <p:cNvPr id="17" name="Oval 16">
+              <a:extLst>
+                <a:ext uri="{FF2B5EF4-FFF2-40B4-BE49-F238E27FC236}">
+                  <a16:creationId xmlns:a16="http://schemas.microsoft.com/office/drawing/2014/main" id="{00F7E28C-33C6-6B4A-8667-5788AA1957EA}"/>
+                </a:ext>
+              </a:extLst>
+            </p:cNvPr>
+            <p:cNvSpPr/>
+            <p:nvPr/>
+          </p:nvSpPr>
+          <p:spPr>
+            <a:xfrm>
+              <a:off x="3273764" y="3797555"/>
+              <a:ext cx="1661218" cy="1666904"/>
+            </a:xfrm>
+            <a:prstGeom prst="ellipse">
+              <a:avLst/>
+            </a:prstGeom>
+            <a:noFill/>
+            <a:ln w="508000">
+              <a:solidFill>
+                <a:schemeClr val="bg1"/>
+              </a:solidFill>
+            </a:ln>
+          </p:spPr>
+          <p:style>
+            <a:lnRef idx="2">
+              <a:schemeClr val="accent1">
+                <a:shade val="50000"/>
+              </a:schemeClr>
+            </a:lnRef>
+            <a:fillRef idx="1">
+              <a:schemeClr val="accent1"/>
+            </a:fillRef>
+            <a:effectRef idx="0">
+              <a:schemeClr val="accent1"/>
+            </a:effectRef>
+            <a:fontRef idx="minor">
+              <a:schemeClr val="lt1"/>
+            </a:fontRef>
+          </p:style>
+          <p:txBody>
+            <a:bodyPr rtlCol="0" anchor="ctr"/>
+            <a:lstStyle/>
+            <a:p>
+              <a:pPr algn="ctr"/>
+              <a:endParaRPr lang="en-US" sz="1400">
+                <a:latin typeface="Gill Sans MT" panose="020B0502020104020203" pitchFamily="34" charset="77"/>
+              </a:endParaRPr>
+            </a:p>
+          </p:txBody>
+        </p:sp>
+        <p:sp>
+          <p:nvSpPr>
+            <p:cNvPr id="18" name="TextBox 17">
+              <a:extLst>
+                <a:ext uri="{FF2B5EF4-FFF2-40B4-BE49-F238E27FC236}">
+                  <a16:creationId xmlns:a16="http://schemas.microsoft.com/office/drawing/2014/main" id="{650E5AD0-BF46-B646-89FB-5C750A1B3A37}"/>
+                </a:ext>
+              </a:extLst>
+            </p:cNvPr>
+            <p:cNvSpPr txBox="1"/>
+            <p:nvPr/>
+          </p:nvSpPr>
+          <p:spPr>
+            <a:xfrm>
+              <a:off x="3465748" y="3476474"/>
+              <a:ext cx="1253116" cy="584775"/>
+            </a:xfrm>
+            <a:prstGeom prst="rect">
+              <a:avLst/>
+            </a:prstGeom>
+            <a:noFill/>
+          </p:spPr>
+          <p:txBody>
+            <a:bodyPr wrap="square" rtlCol="0">
+              <a:spAutoFit/>
+            </a:bodyPr>
+            <a:lstStyle/>
+            <a:p>
+              <a:pPr algn="ctr"/>
+              <a:r>
+                <a:rPr lang="en-US" sz="1600" dirty="0">
+                  <a:latin typeface="Gill Sans MT" panose="020B0502020104020203" pitchFamily="34" charset="77"/>
+                </a:rPr>
+                <a:t>Total Open Bid: 1,229</a:t>
+              </a:r>
+            </a:p>
+          </p:txBody>
+        </p:sp>
+        <p:sp>
+          <p:nvSpPr>
+            <p:cNvPr id="24" name="TextBox 23">
+              <a:extLst>
+                <a:ext uri="{FF2B5EF4-FFF2-40B4-BE49-F238E27FC236}">
+                  <a16:creationId xmlns:a16="http://schemas.microsoft.com/office/drawing/2014/main" id="{9EC28620-DA3A-B844-A3B1-117E3A9AF97E}"/>
+                </a:ext>
+              </a:extLst>
+            </p:cNvPr>
+            <p:cNvSpPr txBox="1"/>
+            <p:nvPr/>
+          </p:nvSpPr>
+          <p:spPr>
+            <a:xfrm>
+              <a:off x="4828833" y="4447134"/>
+              <a:ext cx="1051570" cy="307777"/>
+            </a:xfrm>
+            <a:prstGeom prst="rect">
+              <a:avLst/>
+            </a:prstGeom>
+            <a:noFill/>
+          </p:spPr>
+          <p:txBody>
+            <a:bodyPr wrap="none" rtlCol="0">
+              <a:spAutoFit/>
+            </a:bodyPr>
+            <a:lstStyle/>
+            <a:p>
+              <a:r>
+                <a:rPr lang="en-US" sz="1400" i="1" dirty="0">
+                  <a:latin typeface="Gill Sans MT" panose="020B0502020104020203" pitchFamily="34" charset="77"/>
+                </a:rPr>
+                <a:t>Overlap</a:t>
+              </a:r>
+              <a:r>
+                <a:rPr lang="en-US" sz="1400" dirty="0">
+                  <a:latin typeface="Gill Sans MT" panose="020B0502020104020203" pitchFamily="34" charset="77"/>
+                </a:rPr>
+                <a:t>: 251</a:t>
               </a:r>
             </a:p>
           </p:txBody>
         </p:sp>
         <p:cxnSp>
           <p:nvCxnSpPr>
-            <p:cNvPr id="31" name="Straight Arrow Connector 30">
+            <p:cNvPr id="25" name="Straight Arrow Connector 24">
               <a:extLst>
                 <a:ext uri="{FF2B5EF4-FFF2-40B4-BE49-F238E27FC236}">
-                  <a16:creationId xmlns:a16="http://schemas.microsoft.com/office/drawing/2014/main" id="{D327731A-652E-494D-8210-BF27304CFA46}"/>
+                  <a16:creationId xmlns:a16="http://schemas.microsoft.com/office/drawing/2014/main" id="{A844F369-9C96-4743-9445-0232E4E5980F}"/>
                 </a:ext>
               </a:extLst>
             </p:cNvPr>
@@ -4293,9 +5079,9 @@
             <p:nvPr/>
           </p:nvCxnSpPr>
           <p:spPr>
-            <a:xfrm>
-              <a:off x="4294118" y="2316493"/>
-              <a:ext cx="1771096" cy="0"/>
+            <a:xfrm flipH="1">
+              <a:off x="4726252" y="4019042"/>
+              <a:ext cx="814784" cy="477895"/>
             </a:xfrm>
             <a:prstGeom prst="straightConnector1">
               <a:avLst/>
@@ -4339,8 +5125,8 @@
           </p:nvCxnSpPr>
           <p:spPr>
             <a:xfrm>
-              <a:off x="3202881" y="3630680"/>
-              <a:ext cx="316747" cy="1491315"/>
+              <a:off x="2758324" y="3131540"/>
+              <a:ext cx="850081" cy="1095791"/>
             </a:xfrm>
             <a:prstGeom prst="straightConnector1">
               <a:avLst/>
@@ -4368,11 +5154,2121 @@
             </a:fontRef>
           </p:style>
         </p:cxnSp>
+        <p:cxnSp>
+          <p:nvCxnSpPr>
+            <p:cNvPr id="51" name="Straight Arrow Connector 50">
+              <a:extLst>
+                <a:ext uri="{FF2B5EF4-FFF2-40B4-BE49-F238E27FC236}">
+                  <a16:creationId xmlns:a16="http://schemas.microsoft.com/office/drawing/2014/main" id="{DEF8EFF8-E657-BD43-961E-729F07C88E0C}"/>
+                </a:ext>
+              </a:extLst>
+            </p:cNvPr>
+            <p:cNvCxnSpPr>
+              <a:cxnSpLocks/>
+            </p:cNvCxnSpPr>
+            <p:nvPr/>
+          </p:nvCxnSpPr>
+          <p:spPr>
+            <a:xfrm flipV="1">
+              <a:off x="2938659" y="5213047"/>
+              <a:ext cx="907441" cy="508586"/>
+            </a:xfrm>
+            <a:prstGeom prst="straightConnector1">
+              <a:avLst/>
+            </a:prstGeom>
+            <a:ln w="28575">
+              <a:solidFill>
+                <a:schemeClr val="tx1"/>
+              </a:solidFill>
+              <a:headEnd type="triangle"/>
+              <a:tailEnd type="triangle"/>
+            </a:ln>
+          </p:spPr>
+          <p:style>
+            <a:lnRef idx="1">
+              <a:schemeClr val="accent1"/>
+            </a:lnRef>
+            <a:fillRef idx="0">
+              <a:schemeClr val="accent1"/>
+            </a:fillRef>
+            <a:effectRef idx="0">
+              <a:schemeClr val="accent1"/>
+            </a:effectRef>
+            <a:fontRef idx="minor">
+              <a:schemeClr val="tx1"/>
+            </a:fontRef>
+          </p:style>
+        </p:cxnSp>
+        <p:sp>
+          <p:nvSpPr>
+            <p:cNvPr id="54" name="TextBox 53">
+              <a:extLst>
+                <a:ext uri="{FF2B5EF4-FFF2-40B4-BE49-F238E27FC236}">
+                  <a16:creationId xmlns:a16="http://schemas.microsoft.com/office/drawing/2014/main" id="{B46C6407-7D38-FB43-9F29-605A1E6CEFA5}"/>
+                </a:ext>
+              </a:extLst>
+            </p:cNvPr>
+            <p:cNvSpPr txBox="1"/>
+            <p:nvPr/>
+          </p:nvSpPr>
+          <p:spPr>
+            <a:xfrm>
+              <a:off x="1367791" y="4173999"/>
+              <a:ext cx="1051570" cy="307777"/>
+            </a:xfrm>
+            <a:prstGeom prst="rect">
+              <a:avLst/>
+            </a:prstGeom>
+            <a:noFill/>
+          </p:spPr>
+          <p:txBody>
+            <a:bodyPr wrap="none" rtlCol="0">
+              <a:spAutoFit/>
+            </a:bodyPr>
+            <a:lstStyle/>
+            <a:p>
+              <a:r>
+                <a:rPr lang="en-US" sz="1400" i="1" dirty="0">
+                  <a:latin typeface="Gill Sans MT" panose="020B0502020104020203" pitchFamily="34" charset="77"/>
+                </a:rPr>
+                <a:t>Overlap</a:t>
+              </a:r>
+              <a:r>
+                <a:rPr lang="en-US" sz="1400" dirty="0">
+                  <a:latin typeface="Gill Sans MT" panose="020B0502020104020203" pitchFamily="34" charset="77"/>
+                </a:rPr>
+                <a:t>: 393</a:t>
+              </a:r>
+            </a:p>
+          </p:txBody>
+        </p:sp>
+        <p:sp>
+          <p:nvSpPr>
+            <p:cNvPr id="55" name="TextBox 54">
+              <a:extLst>
+                <a:ext uri="{FF2B5EF4-FFF2-40B4-BE49-F238E27FC236}">
+                  <a16:creationId xmlns:a16="http://schemas.microsoft.com/office/drawing/2014/main" id="{CC3ACC2B-F362-4646-8B21-D5F61990CE85}"/>
+                </a:ext>
+              </a:extLst>
+            </p:cNvPr>
+            <p:cNvSpPr txBox="1"/>
+            <p:nvPr/>
+          </p:nvSpPr>
+          <p:spPr>
+            <a:xfrm>
+              <a:off x="2891583" y="4996704"/>
+              <a:ext cx="849003" cy="523220"/>
+            </a:xfrm>
+            <a:prstGeom prst="rect">
+              <a:avLst/>
+            </a:prstGeom>
+            <a:noFill/>
+          </p:spPr>
+          <p:txBody>
+            <a:bodyPr wrap="square" rtlCol="0">
+              <a:spAutoFit/>
+            </a:bodyPr>
+            <a:lstStyle/>
+            <a:p>
+              <a:r>
+                <a:rPr lang="en-US" sz="1400" i="1" dirty="0">
+                  <a:latin typeface="Gill Sans MT" panose="020B0502020104020203" pitchFamily="34" charset="77"/>
+                </a:rPr>
+                <a:t>Overlap</a:t>
+              </a:r>
+              <a:r>
+                <a:rPr lang="en-US" sz="1400" dirty="0">
+                  <a:latin typeface="Gill Sans MT" panose="020B0502020104020203" pitchFamily="34" charset="77"/>
+                </a:rPr>
+                <a:t>: 168</a:t>
+              </a:r>
+            </a:p>
+          </p:txBody>
+        </p:sp>
+        <p:cxnSp>
+          <p:nvCxnSpPr>
+            <p:cNvPr id="56" name="Straight Arrow Connector 55">
+              <a:extLst>
+                <a:ext uri="{FF2B5EF4-FFF2-40B4-BE49-F238E27FC236}">
+                  <a16:creationId xmlns:a16="http://schemas.microsoft.com/office/drawing/2014/main" id="{2C848A03-38A7-8B40-B8D4-64070C410AF9}"/>
+                </a:ext>
+              </a:extLst>
+            </p:cNvPr>
+            <p:cNvCxnSpPr>
+              <a:cxnSpLocks/>
+            </p:cNvCxnSpPr>
+            <p:nvPr/>
+          </p:nvCxnSpPr>
+          <p:spPr>
+            <a:xfrm>
+              <a:off x="1342240" y="3315353"/>
+              <a:ext cx="0" cy="1491792"/>
+            </a:xfrm>
+            <a:prstGeom prst="straightConnector1">
+              <a:avLst/>
+            </a:prstGeom>
+            <a:ln w="28575">
+              <a:solidFill>
+                <a:schemeClr val="tx1"/>
+              </a:solidFill>
+              <a:headEnd type="triangle"/>
+              <a:tailEnd type="triangle"/>
+            </a:ln>
+          </p:spPr>
+          <p:style>
+            <a:lnRef idx="1">
+              <a:schemeClr val="accent1"/>
+            </a:lnRef>
+            <a:fillRef idx="0">
+              <a:schemeClr val="accent1"/>
+            </a:fillRef>
+            <a:effectRef idx="0">
+              <a:schemeClr val="accent1"/>
+            </a:effectRef>
+            <a:fontRef idx="minor">
+              <a:schemeClr val="tx1"/>
+            </a:fontRef>
+          </p:style>
+        </p:cxnSp>
+        <p:sp>
+          <p:nvSpPr>
+            <p:cNvPr id="59" name="TextBox 58">
+              <a:extLst>
+                <a:ext uri="{FF2B5EF4-FFF2-40B4-BE49-F238E27FC236}">
+                  <a16:creationId xmlns:a16="http://schemas.microsoft.com/office/drawing/2014/main" id="{24B09293-2E97-794C-8B5A-9C9C14D08E88}"/>
+                </a:ext>
+              </a:extLst>
+            </p:cNvPr>
+            <p:cNvSpPr txBox="1"/>
+            <p:nvPr/>
+          </p:nvSpPr>
+          <p:spPr>
+            <a:xfrm>
+              <a:off x="876945" y="6731772"/>
+              <a:ext cx="2327842" cy="338554"/>
+            </a:xfrm>
+            <a:prstGeom prst="rect">
+              <a:avLst/>
+            </a:prstGeom>
+            <a:noFill/>
+          </p:spPr>
+          <p:txBody>
+            <a:bodyPr wrap="square" rtlCol="0">
+              <a:spAutoFit/>
+            </a:bodyPr>
+            <a:lstStyle/>
+            <a:p>
+              <a:r>
+                <a:rPr lang="en-US" sz="1600" dirty="0">
+                  <a:latin typeface="Gill Sans MT" panose="020B0502020104020203" pitchFamily="34" charset="77"/>
+                </a:rPr>
+                <a:t>Total Demolition: 3,593</a:t>
+              </a:r>
+            </a:p>
+          </p:txBody>
+        </p:sp>
+        <p:sp>
+          <p:nvSpPr>
+            <p:cNvPr id="11" name="TextBox 10">
+              <a:extLst>
+                <a:ext uri="{FF2B5EF4-FFF2-40B4-BE49-F238E27FC236}">
+                  <a16:creationId xmlns:a16="http://schemas.microsoft.com/office/drawing/2014/main" id="{5FD56E1A-C171-B945-B71C-187EAEB720B7}"/>
+                </a:ext>
+              </a:extLst>
+            </p:cNvPr>
+            <p:cNvSpPr txBox="1"/>
+            <p:nvPr/>
+          </p:nvSpPr>
+          <p:spPr>
+            <a:xfrm>
+              <a:off x="2174367" y="3624607"/>
+              <a:ext cx="1051570" cy="307777"/>
+            </a:xfrm>
+            <a:prstGeom prst="rect">
+              <a:avLst/>
+            </a:prstGeom>
+            <a:noFill/>
+          </p:spPr>
+          <p:txBody>
+            <a:bodyPr wrap="none" rtlCol="0">
+              <a:spAutoFit/>
+            </a:bodyPr>
+            <a:lstStyle/>
+            <a:p>
+              <a:r>
+                <a:rPr lang="en-US" sz="1400" i="1" dirty="0">
+                  <a:latin typeface="Gill Sans MT" panose="020B0502020104020203" pitchFamily="34" charset="77"/>
+                </a:rPr>
+                <a:t>Overlap</a:t>
+              </a:r>
+              <a:r>
+                <a:rPr lang="en-US" sz="1400" dirty="0">
+                  <a:latin typeface="Gill Sans MT" panose="020B0502020104020203" pitchFamily="34" charset="77"/>
+                </a:rPr>
+                <a:t>: 664</a:t>
+              </a:r>
+            </a:p>
+          </p:txBody>
+        </p:sp>
       </p:grpSp>
     </p:spTree>
     <p:extLst>
       <p:ext uri="{BB962C8B-B14F-4D97-AF65-F5344CB8AC3E}">
         <p14:creationId xmlns:p14="http://schemas.microsoft.com/office/powerpoint/2010/main" val="2884043026"/>
+      </p:ext>
+    </p:extLst>
+  </p:cSld>
+  <p:clrMapOvr>
+    <a:masterClrMapping/>
+  </p:clrMapOvr>
+</p:sld>
+</file>
+
+<file path=ppt/slides/slide2.xml><?xml version="1.0" encoding="utf-8"?>
+<p:sld xmlns:a="http://schemas.openxmlformats.org/drawingml/2006/main" xmlns:r="http://schemas.openxmlformats.org/officeDocument/2006/relationships" xmlns:p="http://schemas.openxmlformats.org/presentationml/2006/main">
+  <p:cSld>
+    <p:spTree>
+      <p:nvGrpSpPr>
+        <p:cNvPr id="1" name=""/>
+        <p:cNvGrpSpPr/>
+        <p:nvPr/>
+      </p:nvGrpSpPr>
+      <p:grpSpPr>
+        <a:xfrm>
+          <a:off x="0" y="0"/>
+          <a:ext cx="0" cy="0"/>
+          <a:chOff x="0" y="0"/>
+          <a:chExt cx="0" cy="0"/>
+        </a:xfrm>
+      </p:grpSpPr>
+      <p:grpSp>
+        <p:nvGrpSpPr>
+          <p:cNvPr id="3" name="Group 2">
+            <a:extLst>
+              <a:ext uri="{FF2B5EF4-FFF2-40B4-BE49-F238E27FC236}">
+                <a16:creationId xmlns:a16="http://schemas.microsoft.com/office/drawing/2014/main" id="{952022EC-5D84-B042-8785-7840774FBDF6}"/>
+              </a:ext>
+            </a:extLst>
+          </p:cNvPr>
+          <p:cNvGrpSpPr/>
+          <p:nvPr/>
+        </p:nvGrpSpPr>
+        <p:grpSpPr>
+          <a:xfrm>
+            <a:off x="509567" y="444861"/>
+            <a:ext cx="9214568" cy="6625465"/>
+            <a:chOff x="509567" y="444861"/>
+            <a:chExt cx="9214568" cy="6625465"/>
+          </a:xfrm>
+        </p:grpSpPr>
+        <p:sp>
+          <p:nvSpPr>
+            <p:cNvPr id="5" name="Oval 4">
+              <a:extLst>
+                <a:ext uri="{FF2B5EF4-FFF2-40B4-BE49-F238E27FC236}">
+                  <a16:creationId xmlns:a16="http://schemas.microsoft.com/office/drawing/2014/main" id="{B0F733EF-2DCD-824D-BD8F-C022B8F25C89}"/>
+                </a:ext>
+              </a:extLst>
+            </p:cNvPr>
+            <p:cNvSpPr/>
+            <p:nvPr/>
+          </p:nvSpPr>
+          <p:spPr>
+            <a:xfrm>
+              <a:off x="768503" y="981338"/>
+              <a:ext cx="2352118" cy="2354221"/>
+            </a:xfrm>
+            <a:prstGeom prst="ellipse">
+              <a:avLst/>
+            </a:prstGeom>
+            <a:solidFill>
+              <a:srgbClr val="31A2FF"/>
+            </a:solidFill>
+            <a:ln>
+              <a:noFill/>
+            </a:ln>
+          </p:spPr>
+          <p:style>
+            <a:lnRef idx="2">
+              <a:schemeClr val="accent1">
+                <a:shade val="50000"/>
+              </a:schemeClr>
+            </a:lnRef>
+            <a:fillRef idx="1">
+              <a:schemeClr val="accent1"/>
+            </a:fillRef>
+            <a:effectRef idx="0">
+              <a:schemeClr val="accent1"/>
+            </a:effectRef>
+            <a:fontRef idx="minor">
+              <a:schemeClr val="lt1"/>
+            </a:fontRef>
+          </p:style>
+          <p:txBody>
+            <a:bodyPr rtlCol="0" anchor="ctr"/>
+            <a:lstStyle/>
+            <a:p>
+              <a:pPr algn="ctr"/>
+              <a:endParaRPr lang="en-US" sz="1400">
+                <a:latin typeface="Gill Sans MT" panose="020B0502020104020203" pitchFamily="34" charset="77"/>
+              </a:endParaRPr>
+            </a:p>
+          </p:txBody>
+        </p:sp>
+        <p:sp>
+          <p:nvSpPr>
+            <p:cNvPr id="6" name="Oval 5">
+              <a:extLst>
+                <a:ext uri="{FF2B5EF4-FFF2-40B4-BE49-F238E27FC236}">
+                  <a16:creationId xmlns:a16="http://schemas.microsoft.com/office/drawing/2014/main" id="{50EFC966-09E0-D240-BB0C-3AD2B91EB18D}"/>
+                </a:ext>
+              </a:extLst>
+            </p:cNvPr>
+            <p:cNvSpPr/>
+            <p:nvPr/>
+          </p:nvSpPr>
+          <p:spPr>
+            <a:xfrm>
+              <a:off x="5330975" y="869332"/>
+              <a:ext cx="4139354" cy="4143055"/>
+            </a:xfrm>
+            <a:prstGeom prst="ellipse">
+              <a:avLst/>
+            </a:prstGeom>
+            <a:solidFill>
+              <a:srgbClr val="5F71CE"/>
+            </a:solidFill>
+            <a:ln>
+              <a:noFill/>
+            </a:ln>
+          </p:spPr>
+          <p:style>
+            <a:lnRef idx="2">
+              <a:schemeClr val="accent1">
+                <a:shade val="50000"/>
+              </a:schemeClr>
+            </a:lnRef>
+            <a:fillRef idx="1">
+              <a:schemeClr val="accent1"/>
+            </a:fillRef>
+            <a:effectRef idx="0">
+              <a:schemeClr val="accent1"/>
+            </a:effectRef>
+            <a:fontRef idx="minor">
+              <a:schemeClr val="lt1"/>
+            </a:fontRef>
+          </p:style>
+          <p:txBody>
+            <a:bodyPr rtlCol="0" anchor="ctr"/>
+            <a:lstStyle/>
+            <a:p>
+              <a:pPr algn="ctr"/>
+              <a:endParaRPr lang="en-US" sz="1400">
+                <a:latin typeface="Gill Sans MT" panose="020B0502020104020203" pitchFamily="34" charset="77"/>
+              </a:endParaRPr>
+            </a:p>
+          </p:txBody>
+        </p:sp>
+        <p:sp>
+          <p:nvSpPr>
+            <p:cNvPr id="7" name="Oval 6">
+              <a:extLst>
+                <a:ext uri="{FF2B5EF4-FFF2-40B4-BE49-F238E27FC236}">
+                  <a16:creationId xmlns:a16="http://schemas.microsoft.com/office/drawing/2014/main" id="{8B0119DD-3041-A249-8277-E6289EF2BF6E}"/>
+                </a:ext>
+              </a:extLst>
+            </p:cNvPr>
+            <p:cNvSpPr/>
+            <p:nvPr/>
+          </p:nvSpPr>
+          <p:spPr>
+            <a:xfrm>
+              <a:off x="6094410" y="5568299"/>
+              <a:ext cx="1072677" cy="1073636"/>
+            </a:xfrm>
+            <a:prstGeom prst="ellipse">
+              <a:avLst/>
+            </a:prstGeom>
+            <a:solidFill>
+              <a:srgbClr val="F0DFFF"/>
+            </a:solidFill>
+            <a:ln>
+              <a:noFill/>
+            </a:ln>
+          </p:spPr>
+          <p:style>
+            <a:lnRef idx="2">
+              <a:schemeClr val="accent1">
+                <a:shade val="50000"/>
+              </a:schemeClr>
+            </a:lnRef>
+            <a:fillRef idx="1">
+              <a:schemeClr val="accent1"/>
+            </a:fillRef>
+            <a:effectRef idx="0">
+              <a:schemeClr val="accent1"/>
+            </a:effectRef>
+            <a:fontRef idx="minor">
+              <a:schemeClr val="lt1"/>
+            </a:fontRef>
+          </p:style>
+          <p:txBody>
+            <a:bodyPr rtlCol="0" anchor="ctr"/>
+            <a:lstStyle/>
+            <a:p>
+              <a:pPr algn="ctr"/>
+              <a:endParaRPr lang="en-US" sz="1400">
+                <a:latin typeface="Gill Sans MT" panose="020B0502020104020203" pitchFamily="34" charset="77"/>
+              </a:endParaRPr>
+            </a:p>
+          </p:txBody>
+        </p:sp>
+        <p:sp>
+          <p:nvSpPr>
+            <p:cNvPr id="8" name="Oval 7">
+              <a:extLst>
+                <a:ext uri="{FF2B5EF4-FFF2-40B4-BE49-F238E27FC236}">
+                  <a16:creationId xmlns:a16="http://schemas.microsoft.com/office/drawing/2014/main" id="{46AA1FE2-41DA-0C46-A7DF-82CB2C355390}"/>
+                </a:ext>
+              </a:extLst>
+            </p:cNvPr>
+            <p:cNvSpPr/>
+            <p:nvPr/>
+          </p:nvSpPr>
+          <p:spPr>
+            <a:xfrm>
+              <a:off x="3500902" y="4041345"/>
+              <a:ext cx="1178274" cy="1179327"/>
+            </a:xfrm>
+            <a:prstGeom prst="ellipse">
+              <a:avLst/>
+            </a:prstGeom>
+            <a:solidFill>
+              <a:srgbClr val="CCFCF2"/>
+            </a:solidFill>
+            <a:ln>
+              <a:noFill/>
+            </a:ln>
+          </p:spPr>
+          <p:style>
+            <a:lnRef idx="2">
+              <a:schemeClr val="accent1">
+                <a:shade val="50000"/>
+              </a:schemeClr>
+            </a:lnRef>
+            <a:fillRef idx="1">
+              <a:schemeClr val="accent1"/>
+            </a:fillRef>
+            <a:effectRef idx="0">
+              <a:schemeClr val="accent1"/>
+            </a:effectRef>
+            <a:fontRef idx="minor">
+              <a:schemeClr val="lt1"/>
+            </a:fontRef>
+          </p:style>
+          <p:txBody>
+            <a:bodyPr rtlCol="0" anchor="ctr"/>
+            <a:lstStyle/>
+            <a:p>
+              <a:pPr algn="ctr"/>
+              <a:endParaRPr lang="en-US" sz="1400">
+                <a:latin typeface="Gill Sans MT" panose="020B0502020104020203" pitchFamily="34" charset="77"/>
+              </a:endParaRPr>
+            </a:p>
+          </p:txBody>
+        </p:sp>
+        <p:sp>
+          <p:nvSpPr>
+            <p:cNvPr id="9" name="Oval 8">
+              <a:extLst>
+                <a:ext uri="{FF2B5EF4-FFF2-40B4-BE49-F238E27FC236}">
+                  <a16:creationId xmlns:a16="http://schemas.microsoft.com/office/drawing/2014/main" id="{7854059A-06BF-794B-81F7-D03527E0A66D}"/>
+                </a:ext>
+              </a:extLst>
+            </p:cNvPr>
+            <p:cNvSpPr/>
+            <p:nvPr/>
+          </p:nvSpPr>
+          <p:spPr>
+            <a:xfrm>
+              <a:off x="2047663" y="2382826"/>
+              <a:ext cx="1178274" cy="1179327"/>
+            </a:xfrm>
+            <a:prstGeom prst="ellipse">
+              <a:avLst/>
+            </a:prstGeom>
+            <a:pattFill prst="wdUpDiag">
+              <a:fgClr>
+                <a:srgbClr val="CCFCF2"/>
+              </a:fgClr>
+              <a:bgClr>
+                <a:srgbClr val="00B0F0"/>
+              </a:bgClr>
+            </a:pattFill>
+            <a:ln>
+              <a:noFill/>
+            </a:ln>
+          </p:spPr>
+          <p:style>
+            <a:lnRef idx="2">
+              <a:schemeClr val="accent1">
+                <a:shade val="50000"/>
+              </a:schemeClr>
+            </a:lnRef>
+            <a:fillRef idx="1">
+              <a:schemeClr val="accent1"/>
+            </a:fillRef>
+            <a:effectRef idx="0">
+              <a:schemeClr val="accent1"/>
+            </a:effectRef>
+            <a:fontRef idx="minor">
+              <a:schemeClr val="lt1"/>
+            </a:fontRef>
+          </p:style>
+          <p:txBody>
+            <a:bodyPr rtlCol="0" anchor="ctr"/>
+            <a:lstStyle/>
+            <a:p>
+              <a:pPr algn="ctr"/>
+              <a:endParaRPr lang="en-US" sz="1400">
+                <a:latin typeface="Gill Sans MT" panose="020B0502020104020203" pitchFamily="34" charset="77"/>
+              </a:endParaRPr>
+            </a:p>
+          </p:txBody>
+        </p:sp>
+        <p:sp>
+          <p:nvSpPr>
+            <p:cNvPr id="10" name="Oval 9">
+              <a:extLst>
+                <a:ext uri="{FF2B5EF4-FFF2-40B4-BE49-F238E27FC236}">
+                  <a16:creationId xmlns:a16="http://schemas.microsoft.com/office/drawing/2014/main" id="{79BC8455-23FB-BE4C-AA01-3037D8878266}"/>
+                </a:ext>
+              </a:extLst>
+            </p:cNvPr>
+            <p:cNvSpPr/>
+            <p:nvPr/>
+          </p:nvSpPr>
+          <p:spPr>
+            <a:xfrm>
+              <a:off x="3130312" y="3749132"/>
+              <a:ext cx="1178274" cy="1179327"/>
+            </a:xfrm>
+            <a:prstGeom prst="ellipse">
+              <a:avLst/>
+            </a:prstGeom>
+            <a:pattFill prst="wdUpDiag">
+              <a:fgClr>
+                <a:srgbClr val="CCFCF2"/>
+              </a:fgClr>
+              <a:bgClr>
+                <a:srgbClr val="31A2FF"/>
+              </a:bgClr>
+            </a:pattFill>
+            <a:ln>
+              <a:noFill/>
+            </a:ln>
+          </p:spPr>
+          <p:style>
+            <a:lnRef idx="2">
+              <a:schemeClr val="accent1">
+                <a:shade val="50000"/>
+              </a:schemeClr>
+            </a:lnRef>
+            <a:fillRef idx="1">
+              <a:schemeClr val="accent1"/>
+            </a:fillRef>
+            <a:effectRef idx="0">
+              <a:schemeClr val="accent1"/>
+            </a:effectRef>
+            <a:fontRef idx="minor">
+              <a:schemeClr val="lt1"/>
+            </a:fontRef>
+          </p:style>
+          <p:txBody>
+            <a:bodyPr rtlCol="0" anchor="ctr"/>
+            <a:lstStyle/>
+            <a:p>
+              <a:pPr algn="ctr"/>
+              <a:endParaRPr lang="en-US" sz="1400" dirty="0">
+                <a:latin typeface="Gill Sans MT" panose="020B0502020104020203" pitchFamily="34" charset="77"/>
+              </a:endParaRPr>
+            </a:p>
+          </p:txBody>
+        </p:sp>
+        <p:sp>
+          <p:nvSpPr>
+            <p:cNvPr id="12" name="Oval 11">
+              <a:extLst>
+                <a:ext uri="{FF2B5EF4-FFF2-40B4-BE49-F238E27FC236}">
+                  <a16:creationId xmlns:a16="http://schemas.microsoft.com/office/drawing/2014/main" id="{81C03892-C676-AE4C-A3AE-5F7C56FADE15}"/>
+                </a:ext>
+              </a:extLst>
+            </p:cNvPr>
+            <p:cNvSpPr/>
+            <p:nvPr/>
+          </p:nvSpPr>
+          <p:spPr>
+            <a:xfrm>
+              <a:off x="6127454" y="4203163"/>
+              <a:ext cx="1148173" cy="1149199"/>
+            </a:xfrm>
+            <a:prstGeom prst="ellipse">
+              <a:avLst/>
+            </a:prstGeom>
+            <a:pattFill prst="wdUpDiag">
+              <a:fgClr>
+                <a:srgbClr val="F0DFFF"/>
+              </a:fgClr>
+              <a:bgClr>
+                <a:srgbClr val="5F71CE"/>
+              </a:bgClr>
+            </a:pattFill>
+            <a:ln>
+              <a:noFill/>
+            </a:ln>
+          </p:spPr>
+          <p:style>
+            <a:lnRef idx="2">
+              <a:schemeClr val="accent1">
+                <a:shade val="50000"/>
+              </a:schemeClr>
+            </a:lnRef>
+            <a:fillRef idx="1">
+              <a:schemeClr val="accent1"/>
+            </a:fillRef>
+            <a:effectRef idx="0">
+              <a:schemeClr val="accent1"/>
+            </a:effectRef>
+            <a:fontRef idx="minor">
+              <a:schemeClr val="lt1"/>
+            </a:fontRef>
+          </p:style>
+          <p:txBody>
+            <a:bodyPr rtlCol="0" anchor="ctr"/>
+            <a:lstStyle/>
+            <a:p>
+              <a:pPr algn="ctr"/>
+              <a:endParaRPr lang="en-US" sz="1400">
+                <a:latin typeface="Gill Sans MT" panose="020B0502020104020203" pitchFamily="34" charset="77"/>
+              </a:endParaRPr>
+            </a:p>
+          </p:txBody>
+        </p:sp>
+        <p:sp>
+          <p:nvSpPr>
+            <p:cNvPr id="13" name="Oval 12">
+              <a:extLst>
+                <a:ext uri="{FF2B5EF4-FFF2-40B4-BE49-F238E27FC236}">
+                  <a16:creationId xmlns:a16="http://schemas.microsoft.com/office/drawing/2014/main" id="{BD28FDA2-A07C-164A-B4AF-86C75F065508}"/>
+                </a:ext>
+              </a:extLst>
+            </p:cNvPr>
+            <p:cNvSpPr/>
+            <p:nvPr/>
+          </p:nvSpPr>
+          <p:spPr>
+            <a:xfrm>
+              <a:off x="5906913" y="5091416"/>
+              <a:ext cx="1148173" cy="1149199"/>
+            </a:xfrm>
+            <a:prstGeom prst="ellipse">
+              <a:avLst/>
+            </a:prstGeom>
+            <a:pattFill prst="wdUpDiag">
+              <a:fgClr>
+                <a:srgbClr val="F0DFFF"/>
+              </a:fgClr>
+              <a:bgClr>
+                <a:srgbClr val="5F71CE"/>
+              </a:bgClr>
+            </a:pattFill>
+            <a:ln>
+              <a:solidFill>
+                <a:schemeClr val="bg2"/>
+              </a:solidFill>
+            </a:ln>
+          </p:spPr>
+          <p:style>
+            <a:lnRef idx="2">
+              <a:schemeClr val="accent1">
+                <a:shade val="50000"/>
+              </a:schemeClr>
+            </a:lnRef>
+            <a:fillRef idx="1">
+              <a:schemeClr val="accent1"/>
+            </a:fillRef>
+            <a:effectRef idx="0">
+              <a:schemeClr val="accent1"/>
+            </a:effectRef>
+            <a:fontRef idx="minor">
+              <a:schemeClr val="lt1"/>
+            </a:fontRef>
+          </p:style>
+          <p:txBody>
+            <a:bodyPr rtlCol="0" anchor="ctr"/>
+            <a:lstStyle/>
+            <a:p>
+              <a:pPr algn="ctr"/>
+              <a:endParaRPr lang="en-US" sz="1400">
+                <a:latin typeface="Gill Sans MT" panose="020B0502020104020203" pitchFamily="34" charset="77"/>
+              </a:endParaRPr>
+            </a:p>
+          </p:txBody>
+        </p:sp>
+        <p:sp>
+          <p:nvSpPr>
+            <p:cNvPr id="14" name="Oval 13">
+              <a:extLst>
+                <a:ext uri="{FF2B5EF4-FFF2-40B4-BE49-F238E27FC236}">
+                  <a16:creationId xmlns:a16="http://schemas.microsoft.com/office/drawing/2014/main" id="{17A76D0B-6CE6-0640-A476-9640212110D5}"/>
+                </a:ext>
+              </a:extLst>
+            </p:cNvPr>
+            <p:cNvSpPr/>
+            <p:nvPr/>
+          </p:nvSpPr>
+          <p:spPr>
+            <a:xfrm>
+              <a:off x="5835945" y="5302239"/>
+              <a:ext cx="1612144" cy="1617662"/>
+            </a:xfrm>
+            <a:prstGeom prst="ellipse">
+              <a:avLst/>
+            </a:prstGeom>
+            <a:noFill/>
+            <a:ln w="552450">
+              <a:solidFill>
+                <a:schemeClr val="bg1"/>
+              </a:solidFill>
+            </a:ln>
+          </p:spPr>
+          <p:style>
+            <a:lnRef idx="2">
+              <a:schemeClr val="accent1">
+                <a:shade val="50000"/>
+              </a:schemeClr>
+            </a:lnRef>
+            <a:fillRef idx="1">
+              <a:schemeClr val="accent1"/>
+            </a:fillRef>
+            <a:effectRef idx="0">
+              <a:schemeClr val="accent1"/>
+            </a:effectRef>
+            <a:fontRef idx="minor">
+              <a:schemeClr val="lt1"/>
+            </a:fontRef>
+          </p:style>
+          <p:txBody>
+            <a:bodyPr rtlCol="0" anchor="ctr"/>
+            <a:lstStyle/>
+            <a:p>
+              <a:pPr algn="ctr"/>
+              <a:endParaRPr lang="en-US" sz="1400">
+                <a:latin typeface="Gill Sans MT" panose="020B0502020104020203" pitchFamily="34" charset="77"/>
+              </a:endParaRPr>
+            </a:p>
+          </p:txBody>
+        </p:sp>
+        <p:sp>
+          <p:nvSpPr>
+            <p:cNvPr id="15" name="TextBox 14">
+              <a:extLst>
+                <a:ext uri="{FF2B5EF4-FFF2-40B4-BE49-F238E27FC236}">
+                  <a16:creationId xmlns:a16="http://schemas.microsoft.com/office/drawing/2014/main" id="{28EB768C-E574-384D-BC54-DA633B17D4C5}"/>
+                </a:ext>
+              </a:extLst>
+            </p:cNvPr>
+            <p:cNvSpPr txBox="1"/>
+            <p:nvPr/>
+          </p:nvSpPr>
+          <p:spPr>
+            <a:xfrm>
+              <a:off x="5541036" y="6677371"/>
+              <a:ext cx="2088136" cy="338554"/>
+            </a:xfrm>
+            <a:prstGeom prst="rect">
+              <a:avLst/>
+            </a:prstGeom>
+            <a:noFill/>
+          </p:spPr>
+          <p:txBody>
+            <a:bodyPr wrap="none" rtlCol="0">
+              <a:spAutoFit/>
+            </a:bodyPr>
+            <a:lstStyle/>
+            <a:p>
+              <a:r>
+                <a:rPr lang="en-US" sz="1600" dirty="0">
+                  <a:solidFill>
+                    <a:schemeClr val="bg1"/>
+                  </a:solidFill>
+                  <a:latin typeface="Gill Sans MT" panose="020B0502020104020203" pitchFamily="34" charset="77"/>
+                </a:rPr>
+                <a:t>Total Receivership: 995</a:t>
+              </a:r>
+            </a:p>
+          </p:txBody>
+        </p:sp>
+        <p:sp>
+          <p:nvSpPr>
+            <p:cNvPr id="16" name="Oval 15">
+              <a:extLst>
+                <a:ext uri="{FF2B5EF4-FFF2-40B4-BE49-F238E27FC236}">
+                  <a16:creationId xmlns:a16="http://schemas.microsoft.com/office/drawing/2014/main" id="{DF545C2C-E1AD-BF4B-86EF-BB474ED6648A}"/>
+                </a:ext>
+              </a:extLst>
+            </p:cNvPr>
+            <p:cNvSpPr/>
+            <p:nvPr/>
+          </p:nvSpPr>
+          <p:spPr>
+            <a:xfrm>
+              <a:off x="4281530" y="4231109"/>
+              <a:ext cx="757992" cy="758669"/>
+            </a:xfrm>
+            <a:prstGeom prst="ellipse">
+              <a:avLst/>
+            </a:prstGeom>
+            <a:pattFill prst="wdUpDiag">
+              <a:fgClr>
+                <a:srgbClr val="CCFCF2"/>
+              </a:fgClr>
+              <a:bgClr>
+                <a:srgbClr val="5F71CE"/>
+              </a:bgClr>
+            </a:pattFill>
+            <a:ln>
+              <a:noFill/>
+            </a:ln>
+          </p:spPr>
+          <p:style>
+            <a:lnRef idx="2">
+              <a:schemeClr val="accent1">
+                <a:shade val="50000"/>
+              </a:schemeClr>
+            </a:lnRef>
+            <a:fillRef idx="1">
+              <a:schemeClr val="accent1"/>
+            </a:fillRef>
+            <a:effectRef idx="0">
+              <a:schemeClr val="accent1"/>
+            </a:effectRef>
+            <a:fontRef idx="minor">
+              <a:schemeClr val="lt1"/>
+            </a:fontRef>
+          </p:style>
+          <p:txBody>
+            <a:bodyPr rtlCol="0" anchor="ctr"/>
+            <a:lstStyle/>
+            <a:p>
+              <a:pPr algn="ctr"/>
+              <a:endParaRPr lang="en-US" sz="1400" dirty="0">
+                <a:latin typeface="Gill Sans MT" panose="020B0502020104020203" pitchFamily="34" charset="77"/>
+              </a:endParaRPr>
+            </a:p>
+          </p:txBody>
+        </p:sp>
+        <p:sp>
+          <p:nvSpPr>
+            <p:cNvPr id="19" name="Oval 18">
+              <a:extLst>
+                <a:ext uri="{FF2B5EF4-FFF2-40B4-BE49-F238E27FC236}">
+                  <a16:creationId xmlns:a16="http://schemas.microsoft.com/office/drawing/2014/main" id="{D84BD7D6-C7AA-8545-977C-038F7CA3F1F7}"/>
+                </a:ext>
+              </a:extLst>
+            </p:cNvPr>
+            <p:cNvSpPr/>
+            <p:nvPr/>
+          </p:nvSpPr>
+          <p:spPr>
+            <a:xfrm>
+              <a:off x="5276189" y="3559486"/>
+              <a:ext cx="757992" cy="758669"/>
+            </a:xfrm>
+            <a:prstGeom prst="ellipse">
+              <a:avLst/>
+            </a:prstGeom>
+            <a:pattFill prst="wdUpDiag">
+              <a:fgClr>
+                <a:srgbClr val="CCFCF2"/>
+              </a:fgClr>
+              <a:bgClr>
+                <a:srgbClr val="5F71CE"/>
+              </a:bgClr>
+            </a:pattFill>
+            <a:ln>
+              <a:noFill/>
+            </a:ln>
+          </p:spPr>
+          <p:style>
+            <a:lnRef idx="2">
+              <a:schemeClr val="accent1">
+                <a:shade val="50000"/>
+              </a:schemeClr>
+            </a:lnRef>
+            <a:fillRef idx="1">
+              <a:schemeClr val="accent1"/>
+            </a:fillRef>
+            <a:effectRef idx="0">
+              <a:schemeClr val="accent1"/>
+            </a:effectRef>
+            <a:fontRef idx="minor">
+              <a:schemeClr val="lt1"/>
+            </a:fontRef>
+          </p:style>
+          <p:txBody>
+            <a:bodyPr rtlCol="0" anchor="ctr"/>
+            <a:lstStyle/>
+            <a:p>
+              <a:pPr algn="ctr"/>
+              <a:endParaRPr lang="en-US" sz="1400" dirty="0">
+                <a:latin typeface="Gill Sans MT" panose="020B0502020104020203" pitchFamily="34" charset="77"/>
+              </a:endParaRPr>
+            </a:p>
+          </p:txBody>
+        </p:sp>
+        <p:sp>
+          <p:nvSpPr>
+            <p:cNvPr id="23" name="Oval 22">
+              <a:extLst>
+                <a:ext uri="{FF2B5EF4-FFF2-40B4-BE49-F238E27FC236}">
+                  <a16:creationId xmlns:a16="http://schemas.microsoft.com/office/drawing/2014/main" id="{D079DEF5-EDDE-8F4F-A03D-1287B3185CE1}"/>
+                </a:ext>
+              </a:extLst>
+            </p:cNvPr>
+            <p:cNvSpPr/>
+            <p:nvPr/>
+          </p:nvSpPr>
+          <p:spPr>
+            <a:xfrm>
+              <a:off x="5077168" y="592596"/>
+              <a:ext cx="4646967" cy="4662873"/>
+            </a:xfrm>
+            <a:prstGeom prst="ellipse">
+              <a:avLst/>
+            </a:prstGeom>
+            <a:noFill/>
+            <a:ln w="508000">
+              <a:solidFill>
+                <a:schemeClr val="bg1"/>
+              </a:solidFill>
+            </a:ln>
+          </p:spPr>
+          <p:style>
+            <a:lnRef idx="2">
+              <a:schemeClr val="accent1">
+                <a:shade val="50000"/>
+              </a:schemeClr>
+            </a:lnRef>
+            <a:fillRef idx="1">
+              <a:schemeClr val="accent1"/>
+            </a:fillRef>
+            <a:effectRef idx="0">
+              <a:schemeClr val="accent1"/>
+            </a:effectRef>
+            <a:fontRef idx="minor">
+              <a:schemeClr val="lt1"/>
+            </a:fontRef>
+          </p:style>
+          <p:txBody>
+            <a:bodyPr rtlCol="0" anchor="ctr"/>
+            <a:lstStyle/>
+            <a:p>
+              <a:pPr algn="ctr"/>
+              <a:endParaRPr lang="en-US" sz="1400">
+                <a:latin typeface="Gill Sans MT" panose="020B0502020104020203" pitchFamily="34" charset="77"/>
+              </a:endParaRPr>
+            </a:p>
+          </p:txBody>
+        </p:sp>
+        <p:sp>
+          <p:nvSpPr>
+            <p:cNvPr id="26" name="TextBox 25">
+              <a:extLst>
+                <a:ext uri="{FF2B5EF4-FFF2-40B4-BE49-F238E27FC236}">
+                  <a16:creationId xmlns:a16="http://schemas.microsoft.com/office/drawing/2014/main" id="{6D99E093-7502-734A-91AB-67D7F4503538}"/>
+                </a:ext>
+              </a:extLst>
+            </p:cNvPr>
+            <p:cNvSpPr txBox="1"/>
+            <p:nvPr/>
+          </p:nvSpPr>
+          <p:spPr>
+            <a:xfrm>
+              <a:off x="6502416" y="444861"/>
+              <a:ext cx="1887248" cy="338554"/>
+            </a:xfrm>
+            <a:prstGeom prst="rect">
+              <a:avLst/>
+            </a:prstGeom>
+            <a:noFill/>
+          </p:spPr>
+          <p:txBody>
+            <a:bodyPr wrap="none" rtlCol="0">
+              <a:spAutoFit/>
+            </a:bodyPr>
+            <a:lstStyle/>
+            <a:p>
+              <a:r>
+                <a:rPr lang="en-US" sz="1600" dirty="0">
+                  <a:solidFill>
+                    <a:schemeClr val="bg1"/>
+                  </a:solidFill>
+                  <a:latin typeface="Gill Sans MT" panose="020B0502020104020203" pitchFamily="34" charset="77"/>
+                </a:rPr>
+                <a:t>Total Vacants: 14,941</a:t>
+              </a:r>
+            </a:p>
+          </p:txBody>
+        </p:sp>
+        <p:sp>
+          <p:nvSpPr>
+            <p:cNvPr id="27" name="TextBox 26">
+              <a:extLst>
+                <a:ext uri="{FF2B5EF4-FFF2-40B4-BE49-F238E27FC236}">
+                  <a16:creationId xmlns:a16="http://schemas.microsoft.com/office/drawing/2014/main" id="{31CC865C-26C9-E145-9BCB-D60EDCAF34C8}"/>
+                </a:ext>
+              </a:extLst>
+            </p:cNvPr>
+            <p:cNvSpPr txBox="1"/>
+            <p:nvPr/>
+          </p:nvSpPr>
+          <p:spPr>
+            <a:xfrm>
+              <a:off x="6644388" y="5127317"/>
+              <a:ext cx="1051570" cy="307777"/>
+            </a:xfrm>
+            <a:prstGeom prst="rect">
+              <a:avLst/>
+            </a:prstGeom>
+            <a:noFill/>
+          </p:spPr>
+          <p:txBody>
+            <a:bodyPr wrap="none" rtlCol="0">
+              <a:spAutoFit/>
+            </a:bodyPr>
+            <a:lstStyle/>
+            <a:p>
+              <a:r>
+                <a:rPr lang="en-US" sz="1400" i="1" dirty="0">
+                  <a:solidFill>
+                    <a:schemeClr val="bg1"/>
+                  </a:solidFill>
+                  <a:latin typeface="Gill Sans MT" panose="020B0502020104020203" pitchFamily="34" charset="77"/>
+                </a:rPr>
+                <a:t>Overlap</a:t>
+              </a:r>
+              <a:r>
+                <a:rPr lang="en-US" sz="1400" dirty="0">
+                  <a:solidFill>
+                    <a:schemeClr val="bg1"/>
+                  </a:solidFill>
+                  <a:latin typeface="Gill Sans MT" panose="020B0502020104020203" pitchFamily="34" charset="77"/>
+                </a:rPr>
+                <a:t>: 697</a:t>
+              </a:r>
+            </a:p>
+          </p:txBody>
+        </p:sp>
+        <p:cxnSp>
+          <p:nvCxnSpPr>
+            <p:cNvPr id="28" name="Straight Arrow Connector 27">
+              <a:extLst>
+                <a:ext uri="{FF2B5EF4-FFF2-40B4-BE49-F238E27FC236}">
+                  <a16:creationId xmlns:a16="http://schemas.microsoft.com/office/drawing/2014/main" id="{1BED0510-E352-624B-A5F2-80164D36B085}"/>
+                </a:ext>
+              </a:extLst>
+            </p:cNvPr>
+            <p:cNvCxnSpPr>
+              <a:cxnSpLocks/>
+            </p:cNvCxnSpPr>
+            <p:nvPr/>
+          </p:nvCxnSpPr>
+          <p:spPr>
+            <a:xfrm flipH="1">
+              <a:off x="6611488" y="4945165"/>
+              <a:ext cx="37763" cy="535765"/>
+            </a:xfrm>
+            <a:prstGeom prst="straightConnector1">
+              <a:avLst/>
+            </a:prstGeom>
+            <a:ln w="28575">
+              <a:solidFill>
+                <a:schemeClr val="bg1"/>
+              </a:solidFill>
+              <a:headEnd type="triangle"/>
+              <a:tailEnd type="triangle"/>
+            </a:ln>
+          </p:spPr>
+          <p:style>
+            <a:lnRef idx="1">
+              <a:schemeClr val="accent1"/>
+            </a:lnRef>
+            <a:fillRef idx="0">
+              <a:schemeClr val="accent1"/>
+            </a:fillRef>
+            <a:effectRef idx="0">
+              <a:schemeClr val="accent1"/>
+            </a:effectRef>
+            <a:fontRef idx="minor">
+              <a:schemeClr val="tx1"/>
+            </a:fontRef>
+          </p:style>
+        </p:cxnSp>
+        <p:sp>
+          <p:nvSpPr>
+            <p:cNvPr id="33" name="Oval 32">
+              <a:extLst>
+                <a:ext uri="{FF2B5EF4-FFF2-40B4-BE49-F238E27FC236}">
+                  <a16:creationId xmlns:a16="http://schemas.microsoft.com/office/drawing/2014/main" id="{1399ADB9-C747-B643-AB61-1061F7D6E50D}"/>
+                </a:ext>
+              </a:extLst>
+            </p:cNvPr>
+            <p:cNvSpPr/>
+            <p:nvPr/>
+          </p:nvSpPr>
+          <p:spPr>
+            <a:xfrm>
+              <a:off x="885666" y="4712085"/>
+              <a:ext cx="2017883" cy="2019687"/>
+            </a:xfrm>
+            <a:prstGeom prst="ellipse">
+              <a:avLst/>
+            </a:prstGeom>
+            <a:solidFill>
+              <a:srgbClr val="FCD079"/>
+            </a:solidFill>
+            <a:ln>
+              <a:noFill/>
+            </a:ln>
+          </p:spPr>
+          <p:style>
+            <a:lnRef idx="2">
+              <a:schemeClr val="accent1">
+                <a:shade val="50000"/>
+              </a:schemeClr>
+            </a:lnRef>
+            <a:fillRef idx="1">
+              <a:schemeClr val="accent1"/>
+            </a:fillRef>
+            <a:effectRef idx="0">
+              <a:schemeClr val="accent1"/>
+            </a:effectRef>
+            <a:fontRef idx="minor">
+              <a:schemeClr val="lt1"/>
+            </a:fontRef>
+          </p:style>
+          <p:txBody>
+            <a:bodyPr rtlCol="0" anchor="ctr"/>
+            <a:lstStyle/>
+            <a:p>
+              <a:pPr algn="ctr"/>
+              <a:endParaRPr lang="en-US" sz="1400">
+                <a:latin typeface="Gill Sans MT" panose="020B0502020104020203" pitchFamily="34" charset="77"/>
+              </a:endParaRPr>
+            </a:p>
+          </p:txBody>
+        </p:sp>
+        <p:sp>
+          <p:nvSpPr>
+            <p:cNvPr id="44" name="Oval 43">
+              <a:extLst>
+                <a:ext uri="{FF2B5EF4-FFF2-40B4-BE49-F238E27FC236}">
+                  <a16:creationId xmlns:a16="http://schemas.microsoft.com/office/drawing/2014/main" id="{51CE3816-6198-D942-A7FB-924A939EB67D}"/>
+                </a:ext>
+              </a:extLst>
+            </p:cNvPr>
+            <p:cNvSpPr/>
+            <p:nvPr/>
+          </p:nvSpPr>
+          <p:spPr>
+            <a:xfrm>
+              <a:off x="1017185" y="4421475"/>
+              <a:ext cx="931223" cy="932055"/>
+            </a:xfrm>
+            <a:prstGeom prst="ellipse">
+              <a:avLst/>
+            </a:prstGeom>
+            <a:pattFill prst="wdUpDiag">
+              <a:fgClr>
+                <a:srgbClr val="FCE4A9"/>
+              </a:fgClr>
+              <a:bgClr>
+                <a:srgbClr val="00B0F0"/>
+              </a:bgClr>
+            </a:pattFill>
+            <a:ln>
+              <a:noFill/>
+            </a:ln>
+          </p:spPr>
+          <p:style>
+            <a:lnRef idx="2">
+              <a:schemeClr val="accent1">
+                <a:shade val="50000"/>
+              </a:schemeClr>
+            </a:lnRef>
+            <a:fillRef idx="1">
+              <a:schemeClr val="accent1"/>
+            </a:fillRef>
+            <a:effectRef idx="0">
+              <a:schemeClr val="accent1"/>
+            </a:effectRef>
+            <a:fontRef idx="minor">
+              <a:schemeClr val="lt1"/>
+            </a:fontRef>
+          </p:style>
+          <p:txBody>
+            <a:bodyPr rtlCol="0" anchor="ctr"/>
+            <a:lstStyle/>
+            <a:p>
+              <a:pPr algn="ctr"/>
+              <a:endParaRPr lang="en-US" sz="1400">
+                <a:latin typeface="Gill Sans MT" panose="020B0502020104020203" pitchFamily="34" charset="77"/>
+              </a:endParaRPr>
+            </a:p>
+          </p:txBody>
+        </p:sp>
+        <p:sp>
+          <p:nvSpPr>
+            <p:cNvPr id="45" name="Oval 44">
+              <a:extLst>
+                <a:ext uri="{FF2B5EF4-FFF2-40B4-BE49-F238E27FC236}">
+                  <a16:creationId xmlns:a16="http://schemas.microsoft.com/office/drawing/2014/main" id="{EDAC7E8E-F912-1C45-B88D-F19AA5EDFF49}"/>
+                </a:ext>
+              </a:extLst>
+            </p:cNvPr>
+            <p:cNvSpPr/>
+            <p:nvPr/>
+          </p:nvSpPr>
+          <p:spPr>
+            <a:xfrm>
+              <a:off x="876629" y="2606752"/>
+              <a:ext cx="931223" cy="932055"/>
+            </a:xfrm>
+            <a:prstGeom prst="ellipse">
+              <a:avLst/>
+            </a:prstGeom>
+            <a:pattFill prst="wdUpDiag">
+              <a:fgClr>
+                <a:srgbClr val="FCE4A9"/>
+              </a:fgClr>
+              <a:bgClr>
+                <a:srgbClr val="00B0F0"/>
+              </a:bgClr>
+            </a:pattFill>
+            <a:ln>
+              <a:noFill/>
+            </a:ln>
+          </p:spPr>
+          <p:style>
+            <a:lnRef idx="2">
+              <a:schemeClr val="accent1">
+                <a:shade val="50000"/>
+              </a:schemeClr>
+            </a:lnRef>
+            <a:fillRef idx="1">
+              <a:schemeClr val="accent1"/>
+            </a:fillRef>
+            <a:effectRef idx="0">
+              <a:schemeClr val="accent1"/>
+            </a:effectRef>
+            <a:fontRef idx="minor">
+              <a:schemeClr val="lt1"/>
+            </a:fontRef>
+          </p:style>
+          <p:txBody>
+            <a:bodyPr rtlCol="0" anchor="ctr"/>
+            <a:lstStyle/>
+            <a:p>
+              <a:pPr algn="ctr"/>
+              <a:endParaRPr lang="en-US" sz="1400">
+                <a:latin typeface="Gill Sans MT" panose="020B0502020104020203" pitchFamily="34" charset="77"/>
+              </a:endParaRPr>
+            </a:p>
+          </p:txBody>
+        </p:sp>
+        <p:sp>
+          <p:nvSpPr>
+            <p:cNvPr id="48" name="Oval 47">
+              <a:extLst>
+                <a:ext uri="{FF2B5EF4-FFF2-40B4-BE49-F238E27FC236}">
+                  <a16:creationId xmlns:a16="http://schemas.microsoft.com/office/drawing/2014/main" id="{8487AA55-8492-D544-B5DD-BD9D7884D411}"/>
+                </a:ext>
+              </a:extLst>
+            </p:cNvPr>
+            <p:cNvSpPr/>
+            <p:nvPr/>
+          </p:nvSpPr>
+          <p:spPr>
+            <a:xfrm>
+              <a:off x="2571293" y="5447835"/>
+              <a:ext cx="574542" cy="575055"/>
+            </a:xfrm>
+            <a:prstGeom prst="ellipse">
+              <a:avLst/>
+            </a:prstGeom>
+            <a:pattFill prst="wdUpDiag">
+              <a:fgClr>
+                <a:srgbClr val="FCD079"/>
+              </a:fgClr>
+              <a:bgClr>
+                <a:srgbClr val="CCFCF2"/>
+              </a:bgClr>
+            </a:pattFill>
+            <a:ln>
+              <a:noFill/>
+            </a:ln>
+          </p:spPr>
+          <p:style>
+            <a:lnRef idx="2">
+              <a:schemeClr val="accent1">
+                <a:shade val="50000"/>
+              </a:schemeClr>
+            </a:lnRef>
+            <a:fillRef idx="1">
+              <a:schemeClr val="accent1"/>
+            </a:fillRef>
+            <a:effectRef idx="0">
+              <a:schemeClr val="accent1"/>
+            </a:effectRef>
+            <a:fontRef idx="minor">
+              <a:schemeClr val="lt1"/>
+            </a:fontRef>
+          </p:style>
+          <p:txBody>
+            <a:bodyPr rtlCol="0" anchor="ctr"/>
+            <a:lstStyle/>
+            <a:p>
+              <a:pPr algn="ctr"/>
+              <a:endParaRPr lang="en-US" sz="1400">
+                <a:latin typeface="Gill Sans MT" panose="020B0502020104020203" pitchFamily="34" charset="77"/>
+              </a:endParaRPr>
+            </a:p>
+          </p:txBody>
+        </p:sp>
+        <p:sp>
+          <p:nvSpPr>
+            <p:cNvPr id="49" name="Oval 48">
+              <a:extLst>
+                <a:ext uri="{FF2B5EF4-FFF2-40B4-BE49-F238E27FC236}">
+                  <a16:creationId xmlns:a16="http://schemas.microsoft.com/office/drawing/2014/main" id="{6E0A1FEA-06FC-6448-880A-55565AECDD84}"/>
+                </a:ext>
+              </a:extLst>
+            </p:cNvPr>
+            <p:cNvSpPr/>
+            <p:nvPr/>
+          </p:nvSpPr>
+          <p:spPr>
+            <a:xfrm>
+              <a:off x="3783636" y="4885887"/>
+              <a:ext cx="574542" cy="575055"/>
+            </a:xfrm>
+            <a:prstGeom prst="ellipse">
+              <a:avLst/>
+            </a:prstGeom>
+            <a:pattFill prst="wdUpDiag">
+              <a:fgClr>
+                <a:srgbClr val="CCFCF2"/>
+              </a:fgClr>
+              <a:bgClr>
+                <a:srgbClr val="FCD079"/>
+              </a:bgClr>
+            </a:pattFill>
+            <a:ln>
+              <a:noFill/>
+            </a:ln>
+          </p:spPr>
+          <p:style>
+            <a:lnRef idx="2">
+              <a:schemeClr val="accent1">
+                <a:shade val="50000"/>
+              </a:schemeClr>
+            </a:lnRef>
+            <a:fillRef idx="1">
+              <a:schemeClr val="accent1"/>
+            </a:fillRef>
+            <a:effectRef idx="0">
+              <a:schemeClr val="accent1"/>
+            </a:effectRef>
+            <a:fontRef idx="minor">
+              <a:schemeClr val="lt1"/>
+            </a:fontRef>
+          </p:style>
+          <p:txBody>
+            <a:bodyPr rtlCol="0" anchor="ctr"/>
+            <a:lstStyle/>
+            <a:p>
+              <a:pPr algn="ctr"/>
+              <a:endParaRPr lang="en-US" sz="1400">
+                <a:latin typeface="Gill Sans MT" panose="020B0502020104020203" pitchFamily="34" charset="77"/>
+              </a:endParaRPr>
+            </a:p>
+          </p:txBody>
+        </p:sp>
+        <p:sp>
+          <p:nvSpPr>
+            <p:cNvPr id="29" name="Oval 28">
+              <a:extLst>
+                <a:ext uri="{FF2B5EF4-FFF2-40B4-BE49-F238E27FC236}">
+                  <a16:creationId xmlns:a16="http://schemas.microsoft.com/office/drawing/2014/main" id="{40C38382-8C1E-5B4F-83D5-91DC9CE1C46C}"/>
+                </a:ext>
+              </a:extLst>
+            </p:cNvPr>
+            <p:cNvSpPr/>
+            <p:nvPr/>
+          </p:nvSpPr>
+          <p:spPr>
+            <a:xfrm>
+              <a:off x="509567" y="727018"/>
+              <a:ext cx="2859027" cy="2868813"/>
+            </a:xfrm>
+            <a:prstGeom prst="ellipse">
+              <a:avLst/>
+            </a:prstGeom>
+            <a:noFill/>
+            <a:ln w="508000">
+              <a:solidFill>
+                <a:schemeClr val="bg1"/>
+              </a:solidFill>
+            </a:ln>
+          </p:spPr>
+          <p:style>
+            <a:lnRef idx="2">
+              <a:schemeClr val="accent1">
+                <a:shade val="50000"/>
+              </a:schemeClr>
+            </a:lnRef>
+            <a:fillRef idx="1">
+              <a:schemeClr val="accent1"/>
+            </a:fillRef>
+            <a:effectRef idx="0">
+              <a:schemeClr val="accent1"/>
+            </a:effectRef>
+            <a:fontRef idx="minor">
+              <a:schemeClr val="lt1"/>
+            </a:fontRef>
+          </p:style>
+          <p:txBody>
+            <a:bodyPr rtlCol="0" anchor="ctr"/>
+            <a:lstStyle/>
+            <a:p>
+              <a:pPr algn="ctr"/>
+              <a:endParaRPr lang="en-US" sz="1400">
+                <a:latin typeface="Gill Sans MT" panose="020B0502020104020203" pitchFamily="34" charset="77"/>
+              </a:endParaRPr>
+            </a:p>
+          </p:txBody>
+        </p:sp>
+        <p:sp>
+          <p:nvSpPr>
+            <p:cNvPr id="30" name="TextBox 29">
+              <a:extLst>
+                <a:ext uri="{FF2B5EF4-FFF2-40B4-BE49-F238E27FC236}">
+                  <a16:creationId xmlns:a16="http://schemas.microsoft.com/office/drawing/2014/main" id="{26C2DB4F-65FD-5D44-84EA-F8B6ADE8EA3C}"/>
+                </a:ext>
+              </a:extLst>
+            </p:cNvPr>
+            <p:cNvSpPr txBox="1"/>
+            <p:nvPr/>
+          </p:nvSpPr>
+          <p:spPr>
+            <a:xfrm>
+              <a:off x="840702" y="530778"/>
+              <a:ext cx="2196755" cy="338554"/>
+            </a:xfrm>
+            <a:prstGeom prst="rect">
+              <a:avLst/>
+            </a:prstGeom>
+            <a:noFill/>
+          </p:spPr>
+          <p:txBody>
+            <a:bodyPr wrap="none" rtlCol="0">
+              <a:spAutoFit/>
+            </a:bodyPr>
+            <a:lstStyle/>
+            <a:p>
+              <a:r>
+                <a:rPr lang="en-US" sz="1600" dirty="0">
+                  <a:solidFill>
+                    <a:schemeClr val="bg1"/>
+                  </a:solidFill>
+                  <a:latin typeface="Gill Sans MT" panose="020B0502020104020203" pitchFamily="34" charset="77"/>
+                </a:rPr>
+                <a:t>Total Adopt-a-Lot: 4,843</a:t>
+              </a:r>
+            </a:p>
+          </p:txBody>
+        </p:sp>
+        <p:sp>
+          <p:nvSpPr>
+            <p:cNvPr id="50" name="Oval 49">
+              <a:extLst>
+                <a:ext uri="{FF2B5EF4-FFF2-40B4-BE49-F238E27FC236}">
+                  <a16:creationId xmlns:a16="http://schemas.microsoft.com/office/drawing/2014/main" id="{8436CC6B-FFCD-574B-A15B-4DB47EF5426F}"/>
+                </a:ext>
+              </a:extLst>
+            </p:cNvPr>
+            <p:cNvSpPr/>
+            <p:nvPr/>
+          </p:nvSpPr>
+          <p:spPr>
+            <a:xfrm>
+              <a:off x="645627" y="4462846"/>
+              <a:ext cx="2495898" cy="2504441"/>
+            </a:xfrm>
+            <a:prstGeom prst="ellipse">
+              <a:avLst/>
+            </a:prstGeom>
+            <a:noFill/>
+            <a:ln w="508000">
+              <a:solidFill>
+                <a:schemeClr val="bg1"/>
+              </a:solidFill>
+            </a:ln>
+          </p:spPr>
+          <p:style>
+            <a:lnRef idx="2">
+              <a:schemeClr val="accent1">
+                <a:shade val="50000"/>
+              </a:schemeClr>
+            </a:lnRef>
+            <a:fillRef idx="1">
+              <a:schemeClr val="accent1"/>
+            </a:fillRef>
+            <a:effectRef idx="0">
+              <a:schemeClr val="accent1"/>
+            </a:effectRef>
+            <a:fontRef idx="minor">
+              <a:schemeClr val="lt1"/>
+            </a:fontRef>
+          </p:style>
+          <p:txBody>
+            <a:bodyPr rtlCol="0" anchor="ctr"/>
+            <a:lstStyle/>
+            <a:p>
+              <a:pPr algn="ctr"/>
+              <a:endParaRPr lang="en-US" sz="1400">
+                <a:latin typeface="Gill Sans MT" panose="020B0502020104020203" pitchFamily="34" charset="77"/>
+              </a:endParaRPr>
+            </a:p>
+          </p:txBody>
+        </p:sp>
+        <p:sp>
+          <p:nvSpPr>
+            <p:cNvPr id="17" name="Oval 16">
+              <a:extLst>
+                <a:ext uri="{FF2B5EF4-FFF2-40B4-BE49-F238E27FC236}">
+                  <a16:creationId xmlns:a16="http://schemas.microsoft.com/office/drawing/2014/main" id="{00F7E28C-33C6-6B4A-8667-5788AA1957EA}"/>
+                </a:ext>
+              </a:extLst>
+            </p:cNvPr>
+            <p:cNvSpPr/>
+            <p:nvPr/>
+          </p:nvSpPr>
+          <p:spPr>
+            <a:xfrm>
+              <a:off x="3273764" y="3797555"/>
+              <a:ext cx="1661218" cy="1666904"/>
+            </a:xfrm>
+            <a:prstGeom prst="ellipse">
+              <a:avLst/>
+            </a:prstGeom>
+            <a:noFill/>
+            <a:ln w="508000">
+              <a:solidFill>
+                <a:schemeClr val="bg1"/>
+              </a:solidFill>
+            </a:ln>
+          </p:spPr>
+          <p:style>
+            <a:lnRef idx="2">
+              <a:schemeClr val="accent1">
+                <a:shade val="50000"/>
+              </a:schemeClr>
+            </a:lnRef>
+            <a:fillRef idx="1">
+              <a:schemeClr val="accent1"/>
+            </a:fillRef>
+            <a:effectRef idx="0">
+              <a:schemeClr val="accent1"/>
+            </a:effectRef>
+            <a:fontRef idx="minor">
+              <a:schemeClr val="lt1"/>
+            </a:fontRef>
+          </p:style>
+          <p:txBody>
+            <a:bodyPr rtlCol="0" anchor="ctr"/>
+            <a:lstStyle/>
+            <a:p>
+              <a:pPr algn="ctr"/>
+              <a:endParaRPr lang="en-US" sz="1400">
+                <a:latin typeface="Gill Sans MT" panose="020B0502020104020203" pitchFamily="34" charset="77"/>
+              </a:endParaRPr>
+            </a:p>
+          </p:txBody>
+        </p:sp>
+        <p:sp>
+          <p:nvSpPr>
+            <p:cNvPr id="18" name="TextBox 17">
+              <a:extLst>
+                <a:ext uri="{FF2B5EF4-FFF2-40B4-BE49-F238E27FC236}">
+                  <a16:creationId xmlns:a16="http://schemas.microsoft.com/office/drawing/2014/main" id="{650E5AD0-BF46-B646-89FB-5C750A1B3A37}"/>
+                </a:ext>
+              </a:extLst>
+            </p:cNvPr>
+            <p:cNvSpPr txBox="1"/>
+            <p:nvPr/>
+          </p:nvSpPr>
+          <p:spPr>
+            <a:xfrm>
+              <a:off x="3465748" y="3476474"/>
+              <a:ext cx="1253116" cy="584775"/>
+            </a:xfrm>
+            <a:prstGeom prst="rect">
+              <a:avLst/>
+            </a:prstGeom>
+            <a:noFill/>
+          </p:spPr>
+          <p:txBody>
+            <a:bodyPr wrap="square" rtlCol="0">
+              <a:spAutoFit/>
+            </a:bodyPr>
+            <a:lstStyle/>
+            <a:p>
+              <a:pPr algn="ctr"/>
+              <a:r>
+                <a:rPr lang="en-US" sz="1600" dirty="0">
+                  <a:solidFill>
+                    <a:schemeClr val="bg1"/>
+                  </a:solidFill>
+                  <a:latin typeface="Gill Sans MT" panose="020B0502020104020203" pitchFamily="34" charset="77"/>
+                </a:rPr>
+                <a:t>Total Open Bid: 1,229</a:t>
+              </a:r>
+            </a:p>
+          </p:txBody>
+        </p:sp>
+        <p:sp>
+          <p:nvSpPr>
+            <p:cNvPr id="24" name="TextBox 23">
+              <a:extLst>
+                <a:ext uri="{FF2B5EF4-FFF2-40B4-BE49-F238E27FC236}">
+                  <a16:creationId xmlns:a16="http://schemas.microsoft.com/office/drawing/2014/main" id="{9EC28620-DA3A-B844-A3B1-117E3A9AF97E}"/>
+                </a:ext>
+              </a:extLst>
+            </p:cNvPr>
+            <p:cNvSpPr txBox="1"/>
+            <p:nvPr/>
+          </p:nvSpPr>
+          <p:spPr>
+            <a:xfrm>
+              <a:off x="4828833" y="4447134"/>
+              <a:ext cx="1051570" cy="307777"/>
+            </a:xfrm>
+            <a:prstGeom prst="rect">
+              <a:avLst/>
+            </a:prstGeom>
+            <a:noFill/>
+          </p:spPr>
+          <p:txBody>
+            <a:bodyPr wrap="none" rtlCol="0">
+              <a:spAutoFit/>
+            </a:bodyPr>
+            <a:lstStyle/>
+            <a:p>
+              <a:r>
+                <a:rPr lang="en-US" sz="1400" i="1" dirty="0">
+                  <a:solidFill>
+                    <a:schemeClr val="bg1"/>
+                  </a:solidFill>
+                  <a:latin typeface="Gill Sans MT" panose="020B0502020104020203" pitchFamily="34" charset="77"/>
+                </a:rPr>
+                <a:t>Overlap</a:t>
+              </a:r>
+              <a:r>
+                <a:rPr lang="en-US" sz="1400" dirty="0">
+                  <a:solidFill>
+                    <a:schemeClr val="bg1"/>
+                  </a:solidFill>
+                  <a:latin typeface="Gill Sans MT" panose="020B0502020104020203" pitchFamily="34" charset="77"/>
+                </a:rPr>
+                <a:t>: 251</a:t>
+              </a:r>
+            </a:p>
+          </p:txBody>
+        </p:sp>
+        <p:cxnSp>
+          <p:nvCxnSpPr>
+            <p:cNvPr id="25" name="Straight Arrow Connector 24">
+              <a:extLst>
+                <a:ext uri="{FF2B5EF4-FFF2-40B4-BE49-F238E27FC236}">
+                  <a16:creationId xmlns:a16="http://schemas.microsoft.com/office/drawing/2014/main" id="{A844F369-9C96-4743-9445-0232E4E5980F}"/>
+                </a:ext>
+              </a:extLst>
+            </p:cNvPr>
+            <p:cNvCxnSpPr>
+              <a:cxnSpLocks/>
+            </p:cNvCxnSpPr>
+            <p:nvPr/>
+          </p:nvCxnSpPr>
+          <p:spPr>
+            <a:xfrm flipH="1">
+              <a:off x="4726252" y="4019042"/>
+              <a:ext cx="814784" cy="477895"/>
+            </a:xfrm>
+            <a:prstGeom prst="straightConnector1">
+              <a:avLst/>
+            </a:prstGeom>
+            <a:ln w="28575">
+              <a:solidFill>
+                <a:schemeClr val="bg1"/>
+              </a:solidFill>
+              <a:headEnd type="triangle"/>
+              <a:tailEnd type="triangle"/>
+            </a:ln>
+          </p:spPr>
+          <p:style>
+            <a:lnRef idx="1">
+              <a:schemeClr val="accent1"/>
+            </a:lnRef>
+            <a:fillRef idx="0">
+              <a:schemeClr val="accent1"/>
+            </a:fillRef>
+            <a:effectRef idx="0">
+              <a:schemeClr val="accent1"/>
+            </a:effectRef>
+            <a:fontRef idx="minor">
+              <a:schemeClr val="tx1"/>
+            </a:fontRef>
+          </p:style>
+        </p:cxnSp>
+        <p:cxnSp>
+          <p:nvCxnSpPr>
+            <p:cNvPr id="32" name="Straight Arrow Connector 31">
+              <a:extLst>
+                <a:ext uri="{FF2B5EF4-FFF2-40B4-BE49-F238E27FC236}">
+                  <a16:creationId xmlns:a16="http://schemas.microsoft.com/office/drawing/2014/main" id="{8EC21EBA-9401-D34F-A557-8F6581143C97}"/>
+                </a:ext>
+              </a:extLst>
+            </p:cNvPr>
+            <p:cNvCxnSpPr>
+              <a:cxnSpLocks/>
+            </p:cNvCxnSpPr>
+            <p:nvPr/>
+          </p:nvCxnSpPr>
+          <p:spPr>
+            <a:xfrm>
+              <a:off x="2758324" y="3131540"/>
+              <a:ext cx="850081" cy="1095791"/>
+            </a:xfrm>
+            <a:prstGeom prst="straightConnector1">
+              <a:avLst/>
+            </a:prstGeom>
+            <a:ln w="28575">
+              <a:solidFill>
+                <a:schemeClr val="bg1"/>
+              </a:solidFill>
+              <a:headEnd type="triangle"/>
+              <a:tailEnd type="triangle"/>
+            </a:ln>
+          </p:spPr>
+          <p:style>
+            <a:lnRef idx="1">
+              <a:schemeClr val="accent1"/>
+            </a:lnRef>
+            <a:fillRef idx="0">
+              <a:schemeClr val="accent1"/>
+            </a:fillRef>
+            <a:effectRef idx="0">
+              <a:schemeClr val="accent1"/>
+            </a:effectRef>
+            <a:fontRef idx="minor">
+              <a:schemeClr val="tx1"/>
+            </a:fontRef>
+          </p:style>
+        </p:cxnSp>
+        <p:cxnSp>
+          <p:nvCxnSpPr>
+            <p:cNvPr id="51" name="Straight Arrow Connector 50">
+              <a:extLst>
+                <a:ext uri="{FF2B5EF4-FFF2-40B4-BE49-F238E27FC236}">
+                  <a16:creationId xmlns:a16="http://schemas.microsoft.com/office/drawing/2014/main" id="{DEF8EFF8-E657-BD43-961E-729F07C88E0C}"/>
+                </a:ext>
+              </a:extLst>
+            </p:cNvPr>
+            <p:cNvCxnSpPr>
+              <a:cxnSpLocks/>
+            </p:cNvCxnSpPr>
+            <p:nvPr/>
+          </p:nvCxnSpPr>
+          <p:spPr>
+            <a:xfrm flipV="1">
+              <a:off x="2938659" y="5213047"/>
+              <a:ext cx="907441" cy="508586"/>
+            </a:xfrm>
+            <a:prstGeom prst="straightConnector1">
+              <a:avLst/>
+            </a:prstGeom>
+            <a:ln w="28575">
+              <a:solidFill>
+                <a:schemeClr val="bg1"/>
+              </a:solidFill>
+              <a:headEnd type="triangle"/>
+              <a:tailEnd type="triangle"/>
+            </a:ln>
+          </p:spPr>
+          <p:style>
+            <a:lnRef idx="1">
+              <a:schemeClr val="accent1"/>
+            </a:lnRef>
+            <a:fillRef idx="0">
+              <a:schemeClr val="accent1"/>
+            </a:fillRef>
+            <a:effectRef idx="0">
+              <a:schemeClr val="accent1"/>
+            </a:effectRef>
+            <a:fontRef idx="minor">
+              <a:schemeClr val="tx1"/>
+            </a:fontRef>
+          </p:style>
+        </p:cxnSp>
+        <p:sp>
+          <p:nvSpPr>
+            <p:cNvPr id="54" name="TextBox 53">
+              <a:extLst>
+                <a:ext uri="{FF2B5EF4-FFF2-40B4-BE49-F238E27FC236}">
+                  <a16:creationId xmlns:a16="http://schemas.microsoft.com/office/drawing/2014/main" id="{B46C6407-7D38-FB43-9F29-605A1E6CEFA5}"/>
+                </a:ext>
+              </a:extLst>
+            </p:cNvPr>
+            <p:cNvSpPr txBox="1"/>
+            <p:nvPr/>
+          </p:nvSpPr>
+          <p:spPr>
+            <a:xfrm>
+              <a:off x="1367791" y="4173999"/>
+              <a:ext cx="1051570" cy="307777"/>
+            </a:xfrm>
+            <a:prstGeom prst="rect">
+              <a:avLst/>
+            </a:prstGeom>
+            <a:noFill/>
+          </p:spPr>
+          <p:txBody>
+            <a:bodyPr wrap="none" rtlCol="0">
+              <a:spAutoFit/>
+            </a:bodyPr>
+            <a:lstStyle/>
+            <a:p>
+              <a:r>
+                <a:rPr lang="en-US" sz="1400" i="1" dirty="0">
+                  <a:solidFill>
+                    <a:schemeClr val="bg1"/>
+                  </a:solidFill>
+                  <a:latin typeface="Gill Sans MT" panose="020B0502020104020203" pitchFamily="34" charset="77"/>
+                </a:rPr>
+                <a:t>Overlap</a:t>
+              </a:r>
+              <a:r>
+                <a:rPr lang="en-US" sz="1400" dirty="0">
+                  <a:solidFill>
+                    <a:schemeClr val="bg1"/>
+                  </a:solidFill>
+                  <a:latin typeface="Gill Sans MT" panose="020B0502020104020203" pitchFamily="34" charset="77"/>
+                </a:rPr>
+                <a:t>: 393</a:t>
+              </a:r>
+            </a:p>
+          </p:txBody>
+        </p:sp>
+        <p:sp>
+          <p:nvSpPr>
+            <p:cNvPr id="55" name="TextBox 54">
+              <a:extLst>
+                <a:ext uri="{FF2B5EF4-FFF2-40B4-BE49-F238E27FC236}">
+                  <a16:creationId xmlns:a16="http://schemas.microsoft.com/office/drawing/2014/main" id="{CC3ACC2B-F362-4646-8B21-D5F61990CE85}"/>
+                </a:ext>
+              </a:extLst>
+            </p:cNvPr>
+            <p:cNvSpPr txBox="1"/>
+            <p:nvPr/>
+          </p:nvSpPr>
+          <p:spPr>
+            <a:xfrm>
+              <a:off x="2891583" y="4996704"/>
+              <a:ext cx="849003" cy="523220"/>
+            </a:xfrm>
+            <a:prstGeom prst="rect">
+              <a:avLst/>
+            </a:prstGeom>
+            <a:noFill/>
+          </p:spPr>
+          <p:txBody>
+            <a:bodyPr wrap="square" rtlCol="0">
+              <a:spAutoFit/>
+            </a:bodyPr>
+            <a:lstStyle/>
+            <a:p>
+              <a:r>
+                <a:rPr lang="en-US" sz="1400" i="1" dirty="0">
+                  <a:solidFill>
+                    <a:schemeClr val="bg1"/>
+                  </a:solidFill>
+                  <a:latin typeface="Gill Sans MT" panose="020B0502020104020203" pitchFamily="34" charset="77"/>
+                </a:rPr>
+                <a:t>Overlap</a:t>
+              </a:r>
+              <a:r>
+                <a:rPr lang="en-US" sz="1400" dirty="0">
+                  <a:solidFill>
+                    <a:schemeClr val="bg1"/>
+                  </a:solidFill>
+                  <a:latin typeface="Gill Sans MT" panose="020B0502020104020203" pitchFamily="34" charset="77"/>
+                </a:rPr>
+                <a:t>: 168</a:t>
+              </a:r>
+            </a:p>
+          </p:txBody>
+        </p:sp>
+        <p:cxnSp>
+          <p:nvCxnSpPr>
+            <p:cNvPr id="56" name="Straight Arrow Connector 55">
+              <a:extLst>
+                <a:ext uri="{FF2B5EF4-FFF2-40B4-BE49-F238E27FC236}">
+                  <a16:creationId xmlns:a16="http://schemas.microsoft.com/office/drawing/2014/main" id="{2C848A03-38A7-8B40-B8D4-64070C410AF9}"/>
+                </a:ext>
+              </a:extLst>
+            </p:cNvPr>
+            <p:cNvCxnSpPr>
+              <a:cxnSpLocks/>
+            </p:cNvCxnSpPr>
+            <p:nvPr/>
+          </p:nvCxnSpPr>
+          <p:spPr>
+            <a:xfrm>
+              <a:off x="1342240" y="3315353"/>
+              <a:ext cx="0" cy="1491792"/>
+            </a:xfrm>
+            <a:prstGeom prst="straightConnector1">
+              <a:avLst/>
+            </a:prstGeom>
+            <a:ln w="28575">
+              <a:solidFill>
+                <a:schemeClr val="bg1"/>
+              </a:solidFill>
+              <a:headEnd type="triangle"/>
+              <a:tailEnd type="triangle"/>
+            </a:ln>
+          </p:spPr>
+          <p:style>
+            <a:lnRef idx="1">
+              <a:schemeClr val="accent1"/>
+            </a:lnRef>
+            <a:fillRef idx="0">
+              <a:schemeClr val="accent1"/>
+            </a:fillRef>
+            <a:effectRef idx="0">
+              <a:schemeClr val="accent1"/>
+            </a:effectRef>
+            <a:fontRef idx="minor">
+              <a:schemeClr val="tx1"/>
+            </a:fontRef>
+          </p:style>
+        </p:cxnSp>
+        <p:sp>
+          <p:nvSpPr>
+            <p:cNvPr id="59" name="TextBox 58">
+              <a:extLst>
+                <a:ext uri="{FF2B5EF4-FFF2-40B4-BE49-F238E27FC236}">
+                  <a16:creationId xmlns:a16="http://schemas.microsoft.com/office/drawing/2014/main" id="{24B09293-2E97-794C-8B5A-9C9C14D08E88}"/>
+                </a:ext>
+              </a:extLst>
+            </p:cNvPr>
+            <p:cNvSpPr txBox="1"/>
+            <p:nvPr/>
+          </p:nvSpPr>
+          <p:spPr>
+            <a:xfrm>
+              <a:off x="876945" y="6731772"/>
+              <a:ext cx="2327842" cy="338554"/>
+            </a:xfrm>
+            <a:prstGeom prst="rect">
+              <a:avLst/>
+            </a:prstGeom>
+            <a:noFill/>
+          </p:spPr>
+          <p:txBody>
+            <a:bodyPr wrap="square" rtlCol="0">
+              <a:spAutoFit/>
+            </a:bodyPr>
+            <a:lstStyle/>
+            <a:p>
+              <a:r>
+                <a:rPr lang="en-US" sz="1600" dirty="0">
+                  <a:solidFill>
+                    <a:schemeClr val="bg1"/>
+                  </a:solidFill>
+                  <a:latin typeface="Gill Sans MT" panose="020B0502020104020203" pitchFamily="34" charset="77"/>
+                </a:rPr>
+                <a:t>Total Demolition: 3,593</a:t>
+              </a:r>
+            </a:p>
+          </p:txBody>
+        </p:sp>
+        <p:sp>
+          <p:nvSpPr>
+            <p:cNvPr id="11" name="TextBox 10">
+              <a:extLst>
+                <a:ext uri="{FF2B5EF4-FFF2-40B4-BE49-F238E27FC236}">
+                  <a16:creationId xmlns:a16="http://schemas.microsoft.com/office/drawing/2014/main" id="{5FD56E1A-C171-B945-B71C-187EAEB720B7}"/>
+                </a:ext>
+              </a:extLst>
+            </p:cNvPr>
+            <p:cNvSpPr txBox="1"/>
+            <p:nvPr/>
+          </p:nvSpPr>
+          <p:spPr>
+            <a:xfrm>
+              <a:off x="2174367" y="3624607"/>
+              <a:ext cx="1051570" cy="307777"/>
+            </a:xfrm>
+            <a:prstGeom prst="rect">
+              <a:avLst/>
+            </a:prstGeom>
+            <a:noFill/>
+          </p:spPr>
+          <p:txBody>
+            <a:bodyPr wrap="none" rtlCol="0">
+              <a:spAutoFit/>
+            </a:bodyPr>
+            <a:lstStyle/>
+            <a:p>
+              <a:r>
+                <a:rPr lang="en-US" sz="1400" i="1" dirty="0">
+                  <a:solidFill>
+                    <a:schemeClr val="bg1"/>
+                  </a:solidFill>
+                  <a:latin typeface="Gill Sans MT" panose="020B0502020104020203" pitchFamily="34" charset="77"/>
+                </a:rPr>
+                <a:t>Overlap</a:t>
+              </a:r>
+              <a:r>
+                <a:rPr lang="en-US" sz="1400" dirty="0">
+                  <a:solidFill>
+                    <a:schemeClr val="bg1"/>
+                  </a:solidFill>
+                  <a:latin typeface="Gill Sans MT" panose="020B0502020104020203" pitchFamily="34" charset="77"/>
+                </a:rPr>
+                <a:t>: 664</a:t>
+              </a:r>
+            </a:p>
+          </p:txBody>
+        </p:sp>
+      </p:grpSp>
+    </p:spTree>
+    <p:extLst>
+      <p:ext uri="{BB962C8B-B14F-4D97-AF65-F5344CB8AC3E}">
+        <p14:creationId xmlns:p14="http://schemas.microsoft.com/office/powerpoint/2010/main" val="2909026660"/>
       </p:ext>
     </p:extLst>
   </p:cSld>
